--- a/Present/Movie_recommender.pptx
+++ b/Present/Movie_recommender.pptx
@@ -104,6 +104,11 @@
       </a:defRPr>
     </a:lvl9pPr>
   </p:defaultTextStyle>
+  <p:extLst>
+    <p:ext uri="{EFAFB233-063F-42B5-8137-9DF3F51BA10A}">
+      <p15:sldGuideLst xmlns:p15="http://schemas.microsoft.com/office/powerpoint/2012/main"/>
+    </p:ext>
+  </p:extLst>
 </p:presentation>
 </file>
 
@@ -2019,6 +2024,154 @@
         </a:p>
       </dgm:t>
     </dgm:pt>
+    <dgm:pt modelId="{9DE25F57-6228-DB4D-8F7F-44074D574D2E}">
+      <dgm:prSet phldrT="[Text]"/>
+      <dgm:spPr/>
+      <dgm:t>
+        <a:bodyPr/>
+        <a:lstStyle/>
+        <a:p>
+          <a:r>
+            <a:rPr lang="en-US" dirty="0" smtClean="0"/>
+            <a:t>memory-based</a:t>
+          </a:r>
+          <a:endParaRPr lang="en-US" dirty="0"/>
+        </a:p>
+      </dgm:t>
+    </dgm:pt>
+    <dgm:pt modelId="{8B2B408E-7856-C54F-8BC8-DEE2ECEE5B34}" type="parTrans" cxnId="{83E5E3A3-2F8B-D443-8373-17CCD60EED27}">
+      <dgm:prSet/>
+      <dgm:spPr/>
+      <dgm:t>
+        <a:bodyPr/>
+        <a:lstStyle/>
+        <a:p>
+          <a:endParaRPr lang="en-US"/>
+        </a:p>
+      </dgm:t>
+    </dgm:pt>
+    <dgm:pt modelId="{773FCA37-7F71-AD47-A4CD-3AB92E91587D}" type="sibTrans" cxnId="{83E5E3A3-2F8B-D443-8373-17CCD60EED27}">
+      <dgm:prSet/>
+      <dgm:spPr/>
+      <dgm:t>
+        <a:bodyPr/>
+        <a:lstStyle/>
+        <a:p>
+          <a:endParaRPr lang="en-US"/>
+        </a:p>
+      </dgm:t>
+    </dgm:pt>
+    <dgm:pt modelId="{1C43EE56-9DF6-0B42-AA33-1D3A50D04E3D}">
+      <dgm:prSet phldrT="[Text]"/>
+      <dgm:spPr/>
+      <dgm:t>
+        <a:bodyPr/>
+        <a:lstStyle/>
+        <a:p>
+          <a:r>
+            <a:rPr lang="en-US" dirty="0" smtClean="0"/>
+            <a:t>model-based</a:t>
+          </a:r>
+          <a:endParaRPr lang="en-US" dirty="0"/>
+        </a:p>
+      </dgm:t>
+    </dgm:pt>
+    <dgm:pt modelId="{48B23697-B4A4-344F-A2A3-0A7E40C69672}" type="parTrans" cxnId="{7C6A4202-EB5B-0D49-9E19-50987A3748A3}">
+      <dgm:prSet/>
+      <dgm:spPr/>
+      <dgm:t>
+        <a:bodyPr/>
+        <a:lstStyle/>
+        <a:p>
+          <a:endParaRPr lang="en-US"/>
+        </a:p>
+      </dgm:t>
+    </dgm:pt>
+    <dgm:pt modelId="{50A92D5E-6F42-F744-B2C7-A42E32742AED}" type="sibTrans" cxnId="{7C6A4202-EB5B-0D49-9E19-50987A3748A3}">
+      <dgm:prSet/>
+      <dgm:spPr/>
+      <dgm:t>
+        <a:bodyPr/>
+        <a:lstStyle/>
+        <a:p>
+          <a:endParaRPr lang="en-US"/>
+        </a:p>
+      </dgm:t>
+    </dgm:pt>
+    <dgm:pt modelId="{A00B20F8-B06A-9F45-B38E-CA392C22A5F2}">
+      <dgm:prSet phldrT="[Text]"/>
+      <dgm:spPr/>
+      <dgm:t>
+        <a:bodyPr/>
+        <a:lstStyle/>
+        <a:p>
+          <a:r>
+            <a:rPr lang="en-US" dirty="0" smtClean="0"/>
+            <a:t>clustering (KNN)</a:t>
+          </a:r>
+          <a:endParaRPr lang="en-US" dirty="0"/>
+        </a:p>
+      </dgm:t>
+    </dgm:pt>
+    <dgm:pt modelId="{00322581-D944-9E40-BB71-D361CE7C6833}" type="parTrans" cxnId="{419CF18A-AEFC-364F-9BC0-A8FC46E8FAB8}">
+      <dgm:prSet/>
+      <dgm:spPr/>
+      <dgm:t>
+        <a:bodyPr/>
+        <a:lstStyle/>
+        <a:p>
+          <a:endParaRPr lang="en-US"/>
+        </a:p>
+      </dgm:t>
+    </dgm:pt>
+    <dgm:pt modelId="{52B3BD7A-5F63-4045-95F7-317245AA7D65}" type="sibTrans" cxnId="{419CF18A-AEFC-364F-9BC0-A8FC46E8FAB8}">
+      <dgm:prSet/>
+      <dgm:spPr/>
+      <dgm:t>
+        <a:bodyPr/>
+        <a:lstStyle/>
+        <a:p>
+          <a:endParaRPr lang="en-US"/>
+        </a:p>
+      </dgm:t>
+    </dgm:pt>
+    <dgm:pt modelId="{31A015F5-AFD3-C841-B524-62245E5414DA}">
+      <dgm:prSet phldrT="[Text]"/>
+      <dgm:spPr/>
+      <dgm:t>
+        <a:bodyPr/>
+        <a:lstStyle/>
+        <a:p>
+          <a:r>
+            <a:rPr lang="en-US" smtClean="0"/>
+            <a:t>matrix factorization (ALS)</a:t>
+          </a:r>
+          <a:endParaRPr lang="en-US" dirty="0"/>
+        </a:p>
+      </dgm:t>
+    </dgm:pt>
+    <dgm:pt modelId="{9DA22A98-240C-7442-98CE-B59C87145C64}" type="parTrans" cxnId="{4F2C018F-B931-8C47-AAE4-029A57C3A6CA}">
+      <dgm:prSet/>
+      <dgm:spPr/>
+      <dgm:t>
+        <a:bodyPr/>
+        <a:lstStyle/>
+        <a:p>
+          <a:endParaRPr lang="en-US"/>
+        </a:p>
+      </dgm:t>
+    </dgm:pt>
+    <dgm:pt modelId="{02F9CA03-4AE2-9141-A2E8-4D92F8E15263}" type="sibTrans" cxnId="{4F2C018F-B931-8C47-AAE4-029A57C3A6CA}">
+      <dgm:prSet/>
+      <dgm:spPr/>
+      <dgm:t>
+        <a:bodyPr/>
+        <a:lstStyle/>
+        <a:p>
+          <a:endParaRPr lang="en-US"/>
+        </a:p>
+      </dgm:t>
+    </dgm:pt>
     <dgm:pt modelId="{B08816B5-CB8D-024F-8A47-E563095C7D61}" type="pres">
       <dgm:prSet presAssocID="{F29CCCE8-DA5D-A440-9347-99FD8FAF1264}" presName="hierChild1" presStyleCnt="0">
         <dgm:presLayoutVars>
@@ -2031,6 +2184,13 @@
         </dgm:presLayoutVars>
       </dgm:prSet>
       <dgm:spPr/>
+      <dgm:t>
+        <a:bodyPr/>
+        <a:lstStyle/>
+        <a:p>
+          <a:endParaRPr lang="en-US"/>
+        </a:p>
+      </dgm:t>
     </dgm:pt>
     <dgm:pt modelId="{3182008A-5FA8-D849-84E1-85AB2690C187}" type="pres">
       <dgm:prSet presAssocID="{454499FF-0855-A140-99F3-78A46C12771C}" presName="hierRoot1" presStyleCnt="0">
@@ -2051,18 +2211,85 @@
         </dgm:presLayoutVars>
       </dgm:prSet>
       <dgm:spPr/>
+      <dgm:t>
+        <a:bodyPr/>
+        <a:lstStyle/>
+        <a:p>
+          <a:endParaRPr lang="en-US"/>
+        </a:p>
+      </dgm:t>
     </dgm:pt>
     <dgm:pt modelId="{21E793E1-2FF0-3E42-A93B-220B413A066A}" type="pres">
       <dgm:prSet presAssocID="{454499FF-0855-A140-99F3-78A46C12771C}" presName="rootConnector1" presStyleLbl="node1" presStyleIdx="0" presStyleCnt="0"/>
       <dgm:spPr/>
+      <dgm:t>
+        <a:bodyPr/>
+        <a:lstStyle/>
+        <a:p>
+          <a:endParaRPr lang="en-US"/>
+        </a:p>
+      </dgm:t>
     </dgm:pt>
     <dgm:pt modelId="{B4632775-E5E0-6F42-BDB3-18889C620195}" type="pres">
       <dgm:prSet presAssocID="{454499FF-0855-A140-99F3-78A46C12771C}" presName="hierChild2" presStyleCnt="0"/>
       <dgm:spPr/>
     </dgm:pt>
+    <dgm:pt modelId="{3D36AE7A-E1CF-9741-AB7B-799B79C92D11}" type="pres">
+      <dgm:prSet presAssocID="{8B2B408E-7856-C54F-8BC8-DEE2ECEE5B34}" presName="Name37" presStyleLbl="parChTrans1D2" presStyleIdx="0" presStyleCnt="3"/>
+      <dgm:spPr/>
+    </dgm:pt>
+    <dgm:pt modelId="{1411CA74-8868-5442-9E07-B02B0E54B419}" type="pres">
+      <dgm:prSet presAssocID="{9DE25F57-6228-DB4D-8F7F-44074D574D2E}" presName="hierRoot2" presStyleCnt="0">
+        <dgm:presLayoutVars>
+          <dgm:hierBranch val="init"/>
+        </dgm:presLayoutVars>
+      </dgm:prSet>
+      <dgm:spPr/>
+    </dgm:pt>
+    <dgm:pt modelId="{09605BAD-68B0-B74C-AB3E-C799D72C3E7D}" type="pres">
+      <dgm:prSet presAssocID="{9DE25F57-6228-DB4D-8F7F-44074D574D2E}" presName="rootComposite" presStyleCnt="0"/>
+      <dgm:spPr/>
+    </dgm:pt>
+    <dgm:pt modelId="{0BBE3A9C-E90D-994E-8B20-48391397A6C3}" type="pres">
+      <dgm:prSet presAssocID="{9DE25F57-6228-DB4D-8F7F-44074D574D2E}" presName="rootText" presStyleLbl="node2" presStyleIdx="0" presStyleCnt="2">
+        <dgm:presLayoutVars>
+          <dgm:chPref val="3"/>
+        </dgm:presLayoutVars>
+      </dgm:prSet>
+      <dgm:spPr/>
+      <dgm:t>
+        <a:bodyPr/>
+        <a:lstStyle/>
+        <a:p>
+          <a:endParaRPr lang="en-US"/>
+        </a:p>
+      </dgm:t>
+    </dgm:pt>
+    <dgm:pt modelId="{E30F0F00-AA3C-3F4D-93C7-674F7E197808}" type="pres">
+      <dgm:prSet presAssocID="{9DE25F57-6228-DB4D-8F7F-44074D574D2E}" presName="rootConnector" presStyleLbl="node2" presStyleIdx="0" presStyleCnt="2"/>
+      <dgm:spPr/>
+      <dgm:t>
+        <a:bodyPr/>
+        <a:lstStyle/>
+        <a:p>
+          <a:endParaRPr lang="en-US"/>
+        </a:p>
+      </dgm:t>
+    </dgm:pt>
+    <dgm:pt modelId="{2E625255-41D8-C54E-AD5C-55B2B3CF3369}" type="pres">
+      <dgm:prSet presAssocID="{9DE25F57-6228-DB4D-8F7F-44074D574D2E}" presName="hierChild4" presStyleCnt="0"/>
+      <dgm:spPr/>
+    </dgm:pt>
     <dgm:pt modelId="{F40B0238-6482-9345-95B0-99F3FFC3A834}" type="pres">
-      <dgm:prSet presAssocID="{72401C7E-4655-EE42-BA63-6CAD7CDA419A}" presName="Name37" presStyleLbl="parChTrans1D2" presStyleIdx="0" presStyleCnt="3"/>
+      <dgm:prSet presAssocID="{72401C7E-4655-EE42-BA63-6CAD7CDA419A}" presName="Name37" presStyleLbl="parChTrans1D3" presStyleIdx="0" presStyleCnt="4"/>
       <dgm:spPr/>
+      <dgm:t>
+        <a:bodyPr/>
+        <a:lstStyle/>
+        <a:p>
+          <a:endParaRPr lang="en-US"/>
+        </a:p>
+      </dgm:t>
     </dgm:pt>
     <dgm:pt modelId="{CA74C27D-1B2A-BC42-B9A2-5FAC24125225}" type="pres">
       <dgm:prSet presAssocID="{0D7B748C-51F7-564C-96AE-32416083F018}" presName="hierRoot2" presStyleCnt="0">
@@ -2077,7 +2304,7 @@
       <dgm:spPr/>
     </dgm:pt>
     <dgm:pt modelId="{F5739D3E-4C56-E449-AF42-FA52882ABDEC}" type="pres">
-      <dgm:prSet presAssocID="{0D7B748C-51F7-564C-96AE-32416083F018}" presName="rootText" presStyleLbl="node2" presStyleIdx="0" presStyleCnt="2">
+      <dgm:prSet presAssocID="{0D7B748C-51F7-564C-96AE-32416083F018}" presName="rootText" presStyleLbl="node3" presStyleIdx="0" presStyleCnt="4">
         <dgm:presLayoutVars>
           <dgm:chPref val="3"/>
         </dgm:presLayoutVars>
@@ -2092,8 +2319,15 @@
       </dgm:t>
     </dgm:pt>
     <dgm:pt modelId="{763AB058-4B28-314A-B8B2-153E0ADFA8A4}" type="pres">
-      <dgm:prSet presAssocID="{0D7B748C-51F7-564C-96AE-32416083F018}" presName="rootConnector" presStyleLbl="node2" presStyleIdx="0" presStyleCnt="2"/>
+      <dgm:prSet presAssocID="{0D7B748C-51F7-564C-96AE-32416083F018}" presName="rootConnector" presStyleLbl="node3" presStyleIdx="0" presStyleCnt="4"/>
       <dgm:spPr/>
+      <dgm:t>
+        <a:bodyPr/>
+        <a:lstStyle/>
+        <a:p>
+          <a:endParaRPr lang="en-US"/>
+        </a:p>
+      </dgm:t>
     </dgm:pt>
     <dgm:pt modelId="{7456C666-7A94-164E-BA5C-0D7BED2AC631}" type="pres">
       <dgm:prSet presAssocID="{0D7B748C-51F7-564C-96AE-32416083F018}" presName="hierChild4" presStyleCnt="0"/>
@@ -2104,8 +2338,15 @@
       <dgm:spPr/>
     </dgm:pt>
     <dgm:pt modelId="{1A05651E-FCC1-3E4B-ADC6-2BD36F70F620}" type="pres">
-      <dgm:prSet presAssocID="{CB4BEF2A-D360-6A42-A874-3DA9FC44E9D9}" presName="Name37" presStyleLbl="parChTrans1D2" presStyleIdx="1" presStyleCnt="3"/>
+      <dgm:prSet presAssocID="{CB4BEF2A-D360-6A42-A874-3DA9FC44E9D9}" presName="Name37" presStyleLbl="parChTrans1D3" presStyleIdx="1" presStyleCnt="4"/>
       <dgm:spPr/>
+      <dgm:t>
+        <a:bodyPr/>
+        <a:lstStyle/>
+        <a:p>
+          <a:endParaRPr lang="en-US"/>
+        </a:p>
+      </dgm:t>
     </dgm:pt>
     <dgm:pt modelId="{DB0B9952-534E-7C45-919B-6A6AE22D5D62}" type="pres">
       <dgm:prSet presAssocID="{FCEE0343-E953-9242-9121-555424627550}" presName="hierRoot2" presStyleCnt="0">
@@ -2120,16 +2361,30 @@
       <dgm:spPr/>
     </dgm:pt>
     <dgm:pt modelId="{13C10920-A351-2946-9F4A-EB7ADF9A0DA8}" type="pres">
-      <dgm:prSet presAssocID="{FCEE0343-E953-9242-9121-555424627550}" presName="rootText" presStyleLbl="node2" presStyleIdx="1" presStyleCnt="2">
+      <dgm:prSet presAssocID="{FCEE0343-E953-9242-9121-555424627550}" presName="rootText" presStyleLbl="node3" presStyleIdx="1" presStyleCnt="4">
         <dgm:presLayoutVars>
           <dgm:chPref val="3"/>
         </dgm:presLayoutVars>
       </dgm:prSet>
       <dgm:spPr/>
+      <dgm:t>
+        <a:bodyPr/>
+        <a:lstStyle/>
+        <a:p>
+          <a:endParaRPr lang="en-US"/>
+        </a:p>
+      </dgm:t>
     </dgm:pt>
     <dgm:pt modelId="{497660EC-5F87-F945-8329-B1ED6A466529}" type="pres">
-      <dgm:prSet presAssocID="{FCEE0343-E953-9242-9121-555424627550}" presName="rootConnector" presStyleLbl="node2" presStyleIdx="1" presStyleCnt="2"/>
+      <dgm:prSet presAssocID="{FCEE0343-E953-9242-9121-555424627550}" presName="rootConnector" presStyleLbl="node3" presStyleIdx="1" presStyleCnt="4"/>
       <dgm:spPr/>
+      <dgm:t>
+        <a:bodyPr/>
+        <a:lstStyle/>
+        <a:p>
+          <a:endParaRPr lang="en-US"/>
+        </a:p>
+      </dgm:t>
     </dgm:pt>
     <dgm:pt modelId="{0F62CC44-DB5F-D64C-9A49-4850111095DC}" type="pres">
       <dgm:prSet presAssocID="{FCEE0343-E953-9242-9121-555424627550}" presName="hierChild4" presStyleCnt="0"/>
@@ -2139,6 +2394,160 @@
       <dgm:prSet presAssocID="{FCEE0343-E953-9242-9121-555424627550}" presName="hierChild5" presStyleCnt="0"/>
       <dgm:spPr/>
     </dgm:pt>
+    <dgm:pt modelId="{64D2FBA2-4C32-D947-BCAF-B7CF9DCD3D00}" type="pres">
+      <dgm:prSet presAssocID="{9DE25F57-6228-DB4D-8F7F-44074D574D2E}" presName="hierChild5" presStyleCnt="0"/>
+      <dgm:spPr/>
+    </dgm:pt>
+    <dgm:pt modelId="{35B64365-1B6A-1A4E-8DF6-9B3ED063EF81}" type="pres">
+      <dgm:prSet presAssocID="{48B23697-B4A4-344F-A2A3-0A7E40C69672}" presName="Name37" presStyleLbl="parChTrans1D2" presStyleIdx="1" presStyleCnt="3"/>
+      <dgm:spPr/>
+    </dgm:pt>
+    <dgm:pt modelId="{4CAB1315-CF58-A74C-80CD-44C2C436CC63}" type="pres">
+      <dgm:prSet presAssocID="{1C43EE56-9DF6-0B42-AA33-1D3A50D04E3D}" presName="hierRoot2" presStyleCnt="0">
+        <dgm:presLayoutVars>
+          <dgm:hierBranch val="init"/>
+        </dgm:presLayoutVars>
+      </dgm:prSet>
+      <dgm:spPr/>
+    </dgm:pt>
+    <dgm:pt modelId="{BE68CDBA-D1FE-FA42-AF29-2766E728320F}" type="pres">
+      <dgm:prSet presAssocID="{1C43EE56-9DF6-0B42-AA33-1D3A50D04E3D}" presName="rootComposite" presStyleCnt="0"/>
+      <dgm:spPr/>
+    </dgm:pt>
+    <dgm:pt modelId="{BCC905DD-80ED-A947-BE40-0EA8BBF8D493}" type="pres">
+      <dgm:prSet presAssocID="{1C43EE56-9DF6-0B42-AA33-1D3A50D04E3D}" presName="rootText" presStyleLbl="node2" presStyleIdx="1" presStyleCnt="2">
+        <dgm:presLayoutVars>
+          <dgm:chPref val="3"/>
+        </dgm:presLayoutVars>
+      </dgm:prSet>
+      <dgm:spPr/>
+      <dgm:t>
+        <a:bodyPr/>
+        <a:lstStyle/>
+        <a:p>
+          <a:endParaRPr lang="en-US"/>
+        </a:p>
+      </dgm:t>
+    </dgm:pt>
+    <dgm:pt modelId="{0F5A77EC-1EAD-0E4C-B61B-B1837570330E}" type="pres">
+      <dgm:prSet presAssocID="{1C43EE56-9DF6-0B42-AA33-1D3A50D04E3D}" presName="rootConnector" presStyleLbl="node2" presStyleIdx="1" presStyleCnt="2"/>
+      <dgm:spPr/>
+      <dgm:t>
+        <a:bodyPr/>
+        <a:lstStyle/>
+        <a:p>
+          <a:endParaRPr lang="en-US"/>
+        </a:p>
+      </dgm:t>
+    </dgm:pt>
+    <dgm:pt modelId="{EBDCFFF0-320B-3746-9A54-A8EE61C9AD77}" type="pres">
+      <dgm:prSet presAssocID="{1C43EE56-9DF6-0B42-AA33-1D3A50D04E3D}" presName="hierChild4" presStyleCnt="0"/>
+      <dgm:spPr/>
+    </dgm:pt>
+    <dgm:pt modelId="{286CBA12-2F44-E04A-97C5-6CCF6F3ADB64}" type="pres">
+      <dgm:prSet presAssocID="{00322581-D944-9E40-BB71-D361CE7C6833}" presName="Name37" presStyleLbl="parChTrans1D3" presStyleIdx="2" presStyleCnt="4"/>
+      <dgm:spPr/>
+    </dgm:pt>
+    <dgm:pt modelId="{13CF4E89-555D-154D-9F06-269478EDE267}" type="pres">
+      <dgm:prSet presAssocID="{A00B20F8-B06A-9F45-B38E-CA392C22A5F2}" presName="hierRoot2" presStyleCnt="0">
+        <dgm:presLayoutVars>
+          <dgm:hierBranch val="init"/>
+        </dgm:presLayoutVars>
+      </dgm:prSet>
+      <dgm:spPr/>
+    </dgm:pt>
+    <dgm:pt modelId="{6BAA2BA8-25B7-4443-98A7-5BEEF2E71F39}" type="pres">
+      <dgm:prSet presAssocID="{A00B20F8-B06A-9F45-B38E-CA392C22A5F2}" presName="rootComposite" presStyleCnt="0"/>
+      <dgm:spPr/>
+    </dgm:pt>
+    <dgm:pt modelId="{DACC3239-D61B-044E-9133-C476860C68AB}" type="pres">
+      <dgm:prSet presAssocID="{A00B20F8-B06A-9F45-B38E-CA392C22A5F2}" presName="rootText" presStyleLbl="node3" presStyleIdx="2" presStyleCnt="4">
+        <dgm:presLayoutVars>
+          <dgm:chPref val="3"/>
+        </dgm:presLayoutVars>
+      </dgm:prSet>
+      <dgm:spPr/>
+      <dgm:t>
+        <a:bodyPr/>
+        <a:lstStyle/>
+        <a:p>
+          <a:endParaRPr lang="en-US"/>
+        </a:p>
+      </dgm:t>
+    </dgm:pt>
+    <dgm:pt modelId="{731DE64E-5A95-BE46-991D-139A7E0E6640}" type="pres">
+      <dgm:prSet presAssocID="{A00B20F8-B06A-9F45-B38E-CA392C22A5F2}" presName="rootConnector" presStyleLbl="node3" presStyleIdx="2" presStyleCnt="4"/>
+      <dgm:spPr/>
+      <dgm:t>
+        <a:bodyPr/>
+        <a:lstStyle/>
+        <a:p>
+          <a:endParaRPr lang="en-US"/>
+        </a:p>
+      </dgm:t>
+    </dgm:pt>
+    <dgm:pt modelId="{349B5AEB-1245-BA4B-8CBE-491005C52123}" type="pres">
+      <dgm:prSet presAssocID="{A00B20F8-B06A-9F45-B38E-CA392C22A5F2}" presName="hierChild4" presStyleCnt="0"/>
+      <dgm:spPr/>
+    </dgm:pt>
+    <dgm:pt modelId="{E30A85F8-3FC1-CB47-90F1-BB86D9CA6BC4}" type="pres">
+      <dgm:prSet presAssocID="{A00B20F8-B06A-9F45-B38E-CA392C22A5F2}" presName="hierChild5" presStyleCnt="0"/>
+      <dgm:spPr/>
+    </dgm:pt>
+    <dgm:pt modelId="{1EB1F60C-4105-3C40-9CBA-FE6664070E1F}" type="pres">
+      <dgm:prSet presAssocID="{9DA22A98-240C-7442-98CE-B59C87145C64}" presName="Name37" presStyleLbl="parChTrans1D3" presStyleIdx="3" presStyleCnt="4"/>
+      <dgm:spPr/>
+    </dgm:pt>
+    <dgm:pt modelId="{5ECAC20E-3F8C-A14B-B7CF-3CA02D0864A6}" type="pres">
+      <dgm:prSet presAssocID="{31A015F5-AFD3-C841-B524-62245E5414DA}" presName="hierRoot2" presStyleCnt="0">
+        <dgm:presLayoutVars>
+          <dgm:hierBranch val="init"/>
+        </dgm:presLayoutVars>
+      </dgm:prSet>
+      <dgm:spPr/>
+    </dgm:pt>
+    <dgm:pt modelId="{BB8D76AD-7314-CF48-9492-3DF73EBC1A70}" type="pres">
+      <dgm:prSet presAssocID="{31A015F5-AFD3-C841-B524-62245E5414DA}" presName="rootComposite" presStyleCnt="0"/>
+      <dgm:spPr/>
+    </dgm:pt>
+    <dgm:pt modelId="{008B0230-5506-1941-AFA6-7F30E4887F09}" type="pres">
+      <dgm:prSet presAssocID="{31A015F5-AFD3-C841-B524-62245E5414DA}" presName="rootText" presStyleLbl="node3" presStyleIdx="3" presStyleCnt="4">
+        <dgm:presLayoutVars>
+          <dgm:chPref val="3"/>
+        </dgm:presLayoutVars>
+      </dgm:prSet>
+      <dgm:spPr/>
+      <dgm:t>
+        <a:bodyPr/>
+        <a:lstStyle/>
+        <a:p>
+          <a:endParaRPr lang="en-US"/>
+        </a:p>
+      </dgm:t>
+    </dgm:pt>
+    <dgm:pt modelId="{523013AC-3415-724D-9530-27A73D79C35A}" type="pres">
+      <dgm:prSet presAssocID="{31A015F5-AFD3-C841-B524-62245E5414DA}" presName="rootConnector" presStyleLbl="node3" presStyleIdx="3" presStyleCnt="4"/>
+      <dgm:spPr/>
+      <dgm:t>
+        <a:bodyPr/>
+        <a:lstStyle/>
+        <a:p>
+          <a:endParaRPr lang="en-US"/>
+        </a:p>
+      </dgm:t>
+    </dgm:pt>
+    <dgm:pt modelId="{6BD644F3-05C3-4549-A470-F3C9A26467B0}" type="pres">
+      <dgm:prSet presAssocID="{31A015F5-AFD3-C841-B524-62245E5414DA}" presName="hierChild4" presStyleCnt="0"/>
+      <dgm:spPr/>
+    </dgm:pt>
+    <dgm:pt modelId="{1382BCDB-5FA6-6840-B181-A03D95CC6A94}" type="pres">
+      <dgm:prSet presAssocID="{31A015F5-AFD3-C841-B524-62245E5414DA}" presName="hierChild5" presStyleCnt="0"/>
+      <dgm:spPr/>
+    </dgm:pt>
+    <dgm:pt modelId="{FE6D944B-9383-6041-BC02-02D4FA1C4E9A}" type="pres">
+      <dgm:prSet presAssocID="{1C43EE56-9DF6-0B42-AA33-1D3A50D04E3D}" presName="hierChild5" presStyleCnt="0"/>
+      <dgm:spPr/>
+    </dgm:pt>
     <dgm:pt modelId="{FA46356C-6DD4-A547-9DE3-A36BCBCA9712}" type="pres">
       <dgm:prSet presAssocID="{454499FF-0855-A140-99F3-78A46C12771C}" presName="hierChild3" presStyleCnt="0"/>
       <dgm:spPr/>
@@ -2146,6 +2555,13 @@
     <dgm:pt modelId="{6DE2FBEB-49D7-DA48-A085-3164AC0F234D}" type="pres">
       <dgm:prSet presAssocID="{5BB88443-B1EB-5E40-B3EE-AF171CA72F45}" presName="Name111" presStyleLbl="parChTrans1D2" presStyleIdx="2" presStyleCnt="3"/>
       <dgm:spPr/>
+      <dgm:t>
+        <a:bodyPr/>
+        <a:lstStyle/>
+        <a:p>
+          <a:endParaRPr lang="en-US"/>
+        </a:p>
+      </dgm:t>
     </dgm:pt>
     <dgm:pt modelId="{6201EADC-5051-9243-8213-82AA49C92FC2}" type="pres">
       <dgm:prSet presAssocID="{81FD2BEA-879C-8C4C-994E-75E3DDFBF50C}" presName="hierRoot3" presStyleCnt="0">
@@ -2166,10 +2582,24 @@
         </dgm:presLayoutVars>
       </dgm:prSet>
       <dgm:spPr/>
+      <dgm:t>
+        <a:bodyPr/>
+        <a:lstStyle/>
+        <a:p>
+          <a:endParaRPr lang="en-US"/>
+        </a:p>
+      </dgm:t>
     </dgm:pt>
     <dgm:pt modelId="{72BCA001-F000-F44D-BCA2-F3B1EF70E54F}" type="pres">
       <dgm:prSet presAssocID="{81FD2BEA-879C-8C4C-994E-75E3DDFBF50C}" presName="rootConnector3" presStyleLbl="asst1" presStyleIdx="0" presStyleCnt="1"/>
       <dgm:spPr/>
+      <dgm:t>
+        <a:bodyPr/>
+        <a:lstStyle/>
+        <a:p>
+          <a:endParaRPr lang="en-US"/>
+        </a:p>
+      </dgm:t>
     </dgm:pt>
     <dgm:pt modelId="{C9C12A46-5DE6-4445-A838-BF82934AD9BA}" type="pres">
       <dgm:prSet presAssocID="{81FD2BEA-879C-8C4C-994E-75E3DDFBF50C}" presName="hierChild6" presStyleCnt="0"/>
@@ -2181,41 +2611,85 @@
     </dgm:pt>
   </dgm:ptLst>
   <dgm:cxnLst>
-    <dgm:cxn modelId="{BACD4811-07DE-4142-A18C-EA75EB47B7DC}" srcId="{454499FF-0855-A140-99F3-78A46C12771C}" destId="{FCEE0343-E953-9242-9121-555424627550}" srcOrd="2" destOrd="0" parTransId="{CB4BEF2A-D360-6A42-A874-3DA9FC44E9D9}" sibTransId="{C33ABC44-4BFA-0C4B-A8B9-EE688D7639CE}"/>
-    <dgm:cxn modelId="{7B5C0CF0-44B6-6E4E-8A33-63638A6A40EB}" type="presOf" srcId="{0D7B748C-51F7-564C-96AE-32416083F018}" destId="{F5739D3E-4C56-E449-AF42-FA52882ABDEC}" srcOrd="0" destOrd="0" presId="urn:microsoft.com/office/officeart/2005/8/layout/orgChart1"/>
+    <dgm:cxn modelId="{879B19C2-2A0F-8047-88C8-91FEA88B2C9D}" type="presOf" srcId="{81FD2BEA-879C-8C4C-994E-75E3DDFBF50C}" destId="{00C05A6D-0367-F84A-BB50-73F4335D02CD}" srcOrd="0" destOrd="0" presId="urn:microsoft.com/office/officeart/2005/8/layout/orgChart1"/>
+    <dgm:cxn modelId="{32BC0B5D-E1F3-A04C-96AB-F21C1C34A906}" type="presOf" srcId="{F29CCCE8-DA5D-A440-9347-99FD8FAF1264}" destId="{B08816B5-CB8D-024F-8A47-E563095C7D61}" srcOrd="0" destOrd="0" presId="urn:microsoft.com/office/officeart/2005/8/layout/orgChart1"/>
+    <dgm:cxn modelId="{2DDBE86A-79BB-1B43-A49C-CAE22881EB1A}" srcId="{454499FF-0855-A140-99F3-78A46C12771C}" destId="{81FD2BEA-879C-8C4C-994E-75E3DDFBF50C}" srcOrd="0" destOrd="0" parTransId="{5BB88443-B1EB-5E40-B3EE-AF171CA72F45}" sibTransId="{3878A198-FBEE-6044-962F-C93EC5BEF64C}"/>
+    <dgm:cxn modelId="{2CCB5D25-D56A-F347-BDC7-0CA449925D01}" type="presOf" srcId="{0D7B748C-51F7-564C-96AE-32416083F018}" destId="{F5739D3E-4C56-E449-AF42-FA52882ABDEC}" srcOrd="0" destOrd="0" presId="urn:microsoft.com/office/officeart/2005/8/layout/orgChart1"/>
+    <dgm:cxn modelId="{56B232D3-8B80-C444-829A-789172418831}" type="presOf" srcId="{CB4BEF2A-D360-6A42-A874-3DA9FC44E9D9}" destId="{1A05651E-FCC1-3E4B-ADC6-2BD36F70F620}" srcOrd="0" destOrd="0" presId="urn:microsoft.com/office/officeart/2005/8/layout/orgChart1"/>
+    <dgm:cxn modelId="{4F2C018F-B931-8C47-AAE4-029A57C3A6CA}" srcId="{1C43EE56-9DF6-0B42-AA33-1D3A50D04E3D}" destId="{31A015F5-AFD3-C841-B524-62245E5414DA}" srcOrd="1" destOrd="0" parTransId="{9DA22A98-240C-7442-98CE-B59C87145C64}" sibTransId="{02F9CA03-4AE2-9141-A2E8-4D92F8E15263}"/>
+    <dgm:cxn modelId="{009A135F-9839-AA4D-8BE3-7D5746395697}" srcId="{9DE25F57-6228-DB4D-8F7F-44074D574D2E}" destId="{0D7B748C-51F7-564C-96AE-32416083F018}" srcOrd="0" destOrd="0" parTransId="{72401C7E-4655-EE42-BA63-6CAD7CDA419A}" sibTransId="{1C6F9A37-0C0D-4A4D-944C-1DF8BD688BE3}"/>
+    <dgm:cxn modelId="{419CF18A-AEFC-364F-9BC0-A8FC46E8FAB8}" srcId="{1C43EE56-9DF6-0B42-AA33-1D3A50D04E3D}" destId="{A00B20F8-B06A-9F45-B38E-CA392C22A5F2}" srcOrd="0" destOrd="0" parTransId="{00322581-D944-9E40-BB71-D361CE7C6833}" sibTransId="{52B3BD7A-5F63-4045-95F7-317245AA7D65}"/>
+    <dgm:cxn modelId="{0BC5B074-3882-F346-B3F8-3E0633CCD0C8}" type="presOf" srcId="{8B2B408E-7856-C54F-8BC8-DEE2ECEE5B34}" destId="{3D36AE7A-E1CF-9741-AB7B-799B79C92D11}" srcOrd="0" destOrd="0" presId="urn:microsoft.com/office/officeart/2005/8/layout/orgChart1"/>
+    <dgm:cxn modelId="{7898AB40-4ACE-5C41-BAC5-BD82D86D5819}" type="presOf" srcId="{0D7B748C-51F7-564C-96AE-32416083F018}" destId="{763AB058-4B28-314A-B8B2-153E0ADFA8A4}" srcOrd="1" destOrd="0" presId="urn:microsoft.com/office/officeart/2005/8/layout/orgChart1"/>
+    <dgm:cxn modelId="{A81EF568-517C-0149-9570-2690A17F33B9}" srcId="{F29CCCE8-DA5D-A440-9347-99FD8FAF1264}" destId="{454499FF-0855-A140-99F3-78A46C12771C}" srcOrd="0" destOrd="0" parTransId="{27307982-B0B3-F544-BDE6-F99ACEB1E14B}" sibTransId="{806ECDCB-2368-5C41-9F55-8F76F9F6F230}"/>
+    <dgm:cxn modelId="{BACD4811-07DE-4142-A18C-EA75EB47B7DC}" srcId="{9DE25F57-6228-DB4D-8F7F-44074D574D2E}" destId="{FCEE0343-E953-9242-9121-555424627550}" srcOrd="1" destOrd="0" parTransId="{CB4BEF2A-D360-6A42-A874-3DA9FC44E9D9}" sibTransId="{C33ABC44-4BFA-0C4B-A8B9-EE688D7639CE}"/>
+    <dgm:cxn modelId="{3DCE71A5-0B84-5548-BBF1-1E322FB25F81}" type="presOf" srcId="{454499FF-0855-A140-99F3-78A46C12771C}" destId="{21E793E1-2FF0-3E42-A93B-220B413A066A}" srcOrd="1" destOrd="0" presId="urn:microsoft.com/office/officeart/2005/8/layout/orgChart1"/>
+    <dgm:cxn modelId="{2D5D1249-E558-674D-BCE0-441D6E1E0EB8}" type="presOf" srcId="{FCEE0343-E953-9242-9121-555424627550}" destId="{497660EC-5F87-F945-8329-B1ED6A466529}" srcOrd="1" destOrd="0" presId="urn:microsoft.com/office/officeart/2005/8/layout/orgChart1"/>
+    <dgm:cxn modelId="{2BF894EB-5F25-574B-AF82-51A51A3E6C76}" type="presOf" srcId="{48B23697-B4A4-344F-A2A3-0A7E40C69672}" destId="{35B64365-1B6A-1A4E-8DF6-9B3ED063EF81}" srcOrd="0" destOrd="0" presId="urn:microsoft.com/office/officeart/2005/8/layout/orgChart1"/>
+    <dgm:cxn modelId="{5CDFBA8B-87A8-F34E-B516-565C538892B4}" type="presOf" srcId="{00322581-D944-9E40-BB71-D361CE7C6833}" destId="{286CBA12-2F44-E04A-97C5-6CCF6F3ADB64}" srcOrd="0" destOrd="0" presId="urn:microsoft.com/office/officeart/2005/8/layout/orgChart1"/>
+    <dgm:cxn modelId="{30F5D690-120A-5E46-B7CA-192567D7ECF2}" type="presOf" srcId="{454499FF-0855-A140-99F3-78A46C12771C}" destId="{8CA203AD-D63C-C34D-AD28-A414B1228D52}" srcOrd="0" destOrd="0" presId="urn:microsoft.com/office/officeart/2005/8/layout/orgChart1"/>
+    <dgm:cxn modelId="{6A09BED4-71CA-5B4A-9045-7656DDB42CC8}" type="presOf" srcId="{A00B20F8-B06A-9F45-B38E-CA392C22A5F2}" destId="{731DE64E-5A95-BE46-991D-139A7E0E6640}" srcOrd="1" destOrd="0" presId="urn:microsoft.com/office/officeart/2005/8/layout/orgChart1"/>
+    <dgm:cxn modelId="{3092E811-19E7-1148-8504-DFAEC7DF6142}" type="presOf" srcId="{9DA22A98-240C-7442-98CE-B59C87145C64}" destId="{1EB1F60C-4105-3C40-9CBA-FE6664070E1F}" srcOrd="0" destOrd="0" presId="urn:microsoft.com/office/officeart/2005/8/layout/orgChart1"/>
+    <dgm:cxn modelId="{86214663-6E4B-EC49-A4DE-A6EF7FC06B0D}" type="presOf" srcId="{1C43EE56-9DF6-0B42-AA33-1D3A50D04E3D}" destId="{0F5A77EC-1EAD-0E4C-B61B-B1837570330E}" srcOrd="1" destOrd="0" presId="urn:microsoft.com/office/officeart/2005/8/layout/orgChart1"/>
+    <dgm:cxn modelId="{F516061E-A33E-5D43-B4FD-BFECF7528EFF}" type="presOf" srcId="{31A015F5-AFD3-C841-B524-62245E5414DA}" destId="{008B0230-5506-1941-AFA6-7F30E4887F09}" srcOrd="0" destOrd="0" presId="urn:microsoft.com/office/officeart/2005/8/layout/orgChart1"/>
+    <dgm:cxn modelId="{7C6A4202-EB5B-0D49-9E19-50987A3748A3}" srcId="{454499FF-0855-A140-99F3-78A46C12771C}" destId="{1C43EE56-9DF6-0B42-AA33-1D3A50D04E3D}" srcOrd="2" destOrd="0" parTransId="{48B23697-B4A4-344F-A2A3-0A7E40C69672}" sibTransId="{50A92D5E-6F42-F744-B2C7-A42E32742AED}"/>
+    <dgm:cxn modelId="{8393A8FA-FD29-F347-AFCA-23D412015D1F}" type="presOf" srcId="{1C43EE56-9DF6-0B42-AA33-1D3A50D04E3D}" destId="{BCC905DD-80ED-A947-BE40-0EA8BBF8D493}" srcOrd="0" destOrd="0" presId="urn:microsoft.com/office/officeart/2005/8/layout/orgChart1"/>
+    <dgm:cxn modelId="{C5EB6F02-3E5D-5744-9B1D-4252EDBE2CAF}" type="presOf" srcId="{72401C7E-4655-EE42-BA63-6CAD7CDA419A}" destId="{F40B0238-6482-9345-95B0-99F3FFC3A834}" srcOrd="0" destOrd="0" presId="urn:microsoft.com/office/officeart/2005/8/layout/orgChart1"/>
     <dgm:cxn modelId="{B9255A8B-3A3F-3C43-A179-D2EB5FA6B8CE}" type="presOf" srcId="{5BB88443-B1EB-5E40-B3EE-AF171CA72F45}" destId="{6DE2FBEB-49D7-DA48-A085-3164AC0F234D}" srcOrd="0" destOrd="0" presId="urn:microsoft.com/office/officeart/2005/8/layout/orgChart1"/>
-    <dgm:cxn modelId="{2DDBE86A-79BB-1B43-A49C-CAE22881EB1A}" srcId="{454499FF-0855-A140-99F3-78A46C12771C}" destId="{81FD2BEA-879C-8C4C-994E-75E3DDFBF50C}" srcOrd="0" destOrd="0" parTransId="{5BB88443-B1EB-5E40-B3EE-AF171CA72F45}" sibTransId="{3878A198-FBEE-6044-962F-C93EC5BEF64C}"/>
-    <dgm:cxn modelId="{879B19C2-2A0F-8047-88C8-91FEA88B2C9D}" type="presOf" srcId="{81FD2BEA-879C-8C4C-994E-75E3DDFBF50C}" destId="{00C05A6D-0367-F84A-BB50-73F4335D02CD}" srcOrd="0" destOrd="0" presId="urn:microsoft.com/office/officeart/2005/8/layout/orgChart1"/>
-    <dgm:cxn modelId="{A81EF568-517C-0149-9570-2690A17F33B9}" srcId="{F29CCCE8-DA5D-A440-9347-99FD8FAF1264}" destId="{454499FF-0855-A140-99F3-78A46C12771C}" srcOrd="0" destOrd="0" parTransId="{27307982-B0B3-F544-BDE6-F99ACEB1E14B}" sibTransId="{806ECDCB-2368-5C41-9F55-8F76F9F6F230}"/>
-    <dgm:cxn modelId="{32BC0B5D-E1F3-A04C-96AB-F21C1C34A906}" type="presOf" srcId="{F29CCCE8-DA5D-A440-9347-99FD8FAF1264}" destId="{B08816B5-CB8D-024F-8A47-E563095C7D61}" srcOrd="0" destOrd="0" presId="urn:microsoft.com/office/officeart/2005/8/layout/orgChart1"/>
-    <dgm:cxn modelId="{20306D2E-4E3F-584A-AB02-780C14322B41}" type="presOf" srcId="{FCEE0343-E953-9242-9121-555424627550}" destId="{13C10920-A351-2946-9F4A-EB7ADF9A0DA8}" srcOrd="0" destOrd="0" presId="urn:microsoft.com/office/officeart/2005/8/layout/orgChart1"/>
-    <dgm:cxn modelId="{30F5D690-120A-5E46-B7CA-192567D7ECF2}" type="presOf" srcId="{454499FF-0855-A140-99F3-78A46C12771C}" destId="{8CA203AD-D63C-C34D-AD28-A414B1228D52}" srcOrd="0" destOrd="0" presId="urn:microsoft.com/office/officeart/2005/8/layout/orgChart1"/>
-    <dgm:cxn modelId="{3DCE71A5-0B84-5548-BBF1-1E322FB25F81}" type="presOf" srcId="{454499FF-0855-A140-99F3-78A46C12771C}" destId="{21E793E1-2FF0-3E42-A93B-220B413A066A}" srcOrd="1" destOrd="0" presId="urn:microsoft.com/office/officeart/2005/8/layout/orgChart1"/>
+    <dgm:cxn modelId="{3D10A99F-842D-2B4D-A029-31DE9971D098}" type="presOf" srcId="{31A015F5-AFD3-C841-B524-62245E5414DA}" destId="{523013AC-3415-724D-9530-27A73D79C35A}" srcOrd="1" destOrd="0" presId="urn:microsoft.com/office/officeart/2005/8/layout/orgChart1"/>
+    <dgm:cxn modelId="{C3F3D8CD-6FF3-D342-A8C8-49500BB6A209}" type="presOf" srcId="{A00B20F8-B06A-9F45-B38E-CA392C22A5F2}" destId="{DACC3239-D61B-044E-9133-C476860C68AB}" srcOrd="0" destOrd="0" presId="urn:microsoft.com/office/officeart/2005/8/layout/orgChart1"/>
     <dgm:cxn modelId="{F746CDD3-DCD0-2D4A-BDB0-4346C281F9FC}" type="presOf" srcId="{81FD2BEA-879C-8C4C-994E-75E3DDFBF50C}" destId="{72BCA001-F000-F44D-BCA2-F3B1EF70E54F}" srcOrd="1" destOrd="0" presId="urn:microsoft.com/office/officeart/2005/8/layout/orgChart1"/>
-    <dgm:cxn modelId="{3391C784-A1EF-BF4F-95EA-EF5D41FE6250}" type="presOf" srcId="{FCEE0343-E953-9242-9121-555424627550}" destId="{497660EC-5F87-F945-8329-B1ED6A466529}" srcOrd="1" destOrd="0" presId="urn:microsoft.com/office/officeart/2005/8/layout/orgChart1"/>
-    <dgm:cxn modelId="{9EBEE589-1B9D-9246-A2D1-8062F16C3F12}" type="presOf" srcId="{72401C7E-4655-EE42-BA63-6CAD7CDA419A}" destId="{F40B0238-6482-9345-95B0-99F3FFC3A834}" srcOrd="0" destOrd="0" presId="urn:microsoft.com/office/officeart/2005/8/layout/orgChart1"/>
-    <dgm:cxn modelId="{28783EDE-C20A-1048-AFBE-9B64D9FE6DE0}" type="presOf" srcId="{CB4BEF2A-D360-6A42-A874-3DA9FC44E9D9}" destId="{1A05651E-FCC1-3E4B-ADC6-2BD36F70F620}" srcOrd="0" destOrd="0" presId="urn:microsoft.com/office/officeart/2005/8/layout/orgChart1"/>
-    <dgm:cxn modelId="{14E12F70-9F4F-3349-90A1-961AF387069C}" type="presOf" srcId="{0D7B748C-51F7-564C-96AE-32416083F018}" destId="{763AB058-4B28-314A-B8B2-153E0ADFA8A4}" srcOrd="1" destOrd="0" presId="urn:microsoft.com/office/officeart/2005/8/layout/orgChart1"/>
-    <dgm:cxn modelId="{009A135F-9839-AA4D-8BE3-7D5746395697}" srcId="{454499FF-0855-A140-99F3-78A46C12771C}" destId="{0D7B748C-51F7-564C-96AE-32416083F018}" srcOrd="1" destOrd="0" parTransId="{72401C7E-4655-EE42-BA63-6CAD7CDA419A}" sibTransId="{1C6F9A37-0C0D-4A4D-944C-1DF8BD688BE3}"/>
+    <dgm:cxn modelId="{9578E146-BB97-444F-A596-C2F9CEE27FD8}" type="presOf" srcId="{9DE25F57-6228-DB4D-8F7F-44074D574D2E}" destId="{E30F0F00-AA3C-3F4D-93C7-674F7E197808}" srcOrd="1" destOrd="0" presId="urn:microsoft.com/office/officeart/2005/8/layout/orgChart1"/>
+    <dgm:cxn modelId="{ABB05ACA-64BA-804C-A8CB-D2015FB3F449}" type="presOf" srcId="{FCEE0343-E953-9242-9121-555424627550}" destId="{13C10920-A351-2946-9F4A-EB7ADF9A0DA8}" srcOrd="0" destOrd="0" presId="urn:microsoft.com/office/officeart/2005/8/layout/orgChart1"/>
+    <dgm:cxn modelId="{32931D58-5619-974D-815D-CBA54602847E}" type="presOf" srcId="{9DE25F57-6228-DB4D-8F7F-44074D574D2E}" destId="{0BBE3A9C-E90D-994E-8B20-48391397A6C3}" srcOrd="0" destOrd="0" presId="urn:microsoft.com/office/officeart/2005/8/layout/orgChart1"/>
+    <dgm:cxn modelId="{83E5E3A3-2F8B-D443-8373-17CCD60EED27}" srcId="{454499FF-0855-A140-99F3-78A46C12771C}" destId="{9DE25F57-6228-DB4D-8F7F-44074D574D2E}" srcOrd="1" destOrd="0" parTransId="{8B2B408E-7856-C54F-8BC8-DEE2ECEE5B34}" sibTransId="{773FCA37-7F71-AD47-A4CD-3AB92E91587D}"/>
     <dgm:cxn modelId="{A320BC9E-F216-604C-A364-11E8F39A15CF}" type="presParOf" srcId="{B08816B5-CB8D-024F-8A47-E563095C7D61}" destId="{3182008A-5FA8-D849-84E1-85AB2690C187}" srcOrd="0" destOrd="0" presId="urn:microsoft.com/office/officeart/2005/8/layout/orgChart1"/>
     <dgm:cxn modelId="{BD0A7E68-3B45-9A47-88F2-47D0A5EC0752}" type="presParOf" srcId="{3182008A-5FA8-D849-84E1-85AB2690C187}" destId="{2EDD9E7C-7251-6547-90DD-9FEF6C24BD31}" srcOrd="0" destOrd="0" presId="urn:microsoft.com/office/officeart/2005/8/layout/orgChart1"/>
     <dgm:cxn modelId="{27D9A0F8-B28E-5546-BD2C-27F946E00F86}" type="presParOf" srcId="{2EDD9E7C-7251-6547-90DD-9FEF6C24BD31}" destId="{8CA203AD-D63C-C34D-AD28-A414B1228D52}" srcOrd="0" destOrd="0" presId="urn:microsoft.com/office/officeart/2005/8/layout/orgChart1"/>
     <dgm:cxn modelId="{E9BD93CA-3F57-EE45-A2F9-C2302802B50C}" type="presParOf" srcId="{2EDD9E7C-7251-6547-90DD-9FEF6C24BD31}" destId="{21E793E1-2FF0-3E42-A93B-220B413A066A}" srcOrd="1" destOrd="0" presId="urn:microsoft.com/office/officeart/2005/8/layout/orgChart1"/>
     <dgm:cxn modelId="{4A9AC897-580A-F241-956D-0A3778F28E6B}" type="presParOf" srcId="{3182008A-5FA8-D849-84E1-85AB2690C187}" destId="{B4632775-E5E0-6F42-BDB3-18889C620195}" srcOrd="1" destOrd="0" presId="urn:microsoft.com/office/officeart/2005/8/layout/orgChart1"/>
-    <dgm:cxn modelId="{84B0CA3B-DE90-C441-84CD-56796DDB13D9}" type="presParOf" srcId="{B4632775-E5E0-6F42-BDB3-18889C620195}" destId="{F40B0238-6482-9345-95B0-99F3FFC3A834}" srcOrd="0" destOrd="0" presId="urn:microsoft.com/office/officeart/2005/8/layout/orgChart1"/>
-    <dgm:cxn modelId="{837580E3-FC22-3045-8F9B-CFAA81600F53}" type="presParOf" srcId="{B4632775-E5E0-6F42-BDB3-18889C620195}" destId="{CA74C27D-1B2A-BC42-B9A2-5FAC24125225}" srcOrd="1" destOrd="0" presId="urn:microsoft.com/office/officeart/2005/8/layout/orgChart1"/>
-    <dgm:cxn modelId="{AFA9450F-523A-9A45-A3E0-EE4632628AB8}" type="presParOf" srcId="{CA74C27D-1B2A-BC42-B9A2-5FAC24125225}" destId="{631BE431-D632-1E4B-BC7E-82FFDBBFF8FD}" srcOrd="0" destOrd="0" presId="urn:microsoft.com/office/officeart/2005/8/layout/orgChart1"/>
-    <dgm:cxn modelId="{A7BC806E-C8D0-D640-BC61-4BEFBAEC4012}" type="presParOf" srcId="{631BE431-D632-1E4B-BC7E-82FFDBBFF8FD}" destId="{F5739D3E-4C56-E449-AF42-FA52882ABDEC}" srcOrd="0" destOrd="0" presId="urn:microsoft.com/office/officeart/2005/8/layout/orgChart1"/>
-    <dgm:cxn modelId="{4727A6B5-82EC-3045-8732-C04E279389C4}" type="presParOf" srcId="{631BE431-D632-1E4B-BC7E-82FFDBBFF8FD}" destId="{763AB058-4B28-314A-B8B2-153E0ADFA8A4}" srcOrd="1" destOrd="0" presId="urn:microsoft.com/office/officeart/2005/8/layout/orgChart1"/>
-    <dgm:cxn modelId="{99F24A4B-5943-184F-8BF4-6828FEBE8D3A}" type="presParOf" srcId="{CA74C27D-1B2A-BC42-B9A2-5FAC24125225}" destId="{7456C666-7A94-164E-BA5C-0D7BED2AC631}" srcOrd="1" destOrd="0" presId="urn:microsoft.com/office/officeart/2005/8/layout/orgChart1"/>
-    <dgm:cxn modelId="{6D3F12C1-81E6-914A-80A6-B88E637247FC}" type="presParOf" srcId="{CA74C27D-1B2A-BC42-B9A2-5FAC24125225}" destId="{00D60346-7A59-1440-813C-E062929CC91B}" srcOrd="2" destOrd="0" presId="urn:microsoft.com/office/officeart/2005/8/layout/orgChart1"/>
-    <dgm:cxn modelId="{9635215A-9327-2A46-84E2-64E88298BBD8}" type="presParOf" srcId="{B4632775-E5E0-6F42-BDB3-18889C620195}" destId="{1A05651E-FCC1-3E4B-ADC6-2BD36F70F620}" srcOrd="2" destOrd="0" presId="urn:microsoft.com/office/officeart/2005/8/layout/orgChart1"/>
-    <dgm:cxn modelId="{FCD5514A-F1A1-0F42-B688-2B5864B01BCE}" type="presParOf" srcId="{B4632775-E5E0-6F42-BDB3-18889C620195}" destId="{DB0B9952-534E-7C45-919B-6A6AE22D5D62}" srcOrd="3" destOrd="0" presId="urn:microsoft.com/office/officeart/2005/8/layout/orgChart1"/>
-    <dgm:cxn modelId="{0E59C28E-B9FF-5942-B6F1-9608093D45DA}" type="presParOf" srcId="{DB0B9952-534E-7C45-919B-6A6AE22D5D62}" destId="{ABFD034D-D6C7-6344-A1DB-25A9C40F5F63}" srcOrd="0" destOrd="0" presId="urn:microsoft.com/office/officeart/2005/8/layout/orgChart1"/>
-    <dgm:cxn modelId="{F5299E12-17C3-384D-A934-5DE594F09C42}" type="presParOf" srcId="{ABFD034D-D6C7-6344-A1DB-25A9C40F5F63}" destId="{13C10920-A351-2946-9F4A-EB7ADF9A0DA8}" srcOrd="0" destOrd="0" presId="urn:microsoft.com/office/officeart/2005/8/layout/orgChart1"/>
-    <dgm:cxn modelId="{06EE7A0B-061F-5048-80A6-0DEE40B89B42}" type="presParOf" srcId="{ABFD034D-D6C7-6344-A1DB-25A9C40F5F63}" destId="{497660EC-5F87-F945-8329-B1ED6A466529}" srcOrd="1" destOrd="0" presId="urn:microsoft.com/office/officeart/2005/8/layout/orgChart1"/>
-    <dgm:cxn modelId="{CF08663D-8215-5340-A278-BB80FF607FF3}" type="presParOf" srcId="{DB0B9952-534E-7C45-919B-6A6AE22D5D62}" destId="{0F62CC44-DB5F-D64C-9A49-4850111095DC}" srcOrd="1" destOrd="0" presId="urn:microsoft.com/office/officeart/2005/8/layout/orgChart1"/>
-    <dgm:cxn modelId="{CF6656D3-B47A-3245-B2B1-ADFCAA9B7015}" type="presParOf" srcId="{DB0B9952-534E-7C45-919B-6A6AE22D5D62}" destId="{B88F6F5F-785E-5548-9FFB-1ADB6BA38553}" srcOrd="2" destOrd="0" presId="urn:microsoft.com/office/officeart/2005/8/layout/orgChart1"/>
+    <dgm:cxn modelId="{8E8F5A17-7FF5-EF46-8433-0BFA4572302F}" type="presParOf" srcId="{B4632775-E5E0-6F42-BDB3-18889C620195}" destId="{3D36AE7A-E1CF-9741-AB7B-799B79C92D11}" srcOrd="0" destOrd="0" presId="urn:microsoft.com/office/officeart/2005/8/layout/orgChart1"/>
+    <dgm:cxn modelId="{DDCF8014-0949-3C4D-BB6C-9F7AEE4B252D}" type="presParOf" srcId="{B4632775-E5E0-6F42-BDB3-18889C620195}" destId="{1411CA74-8868-5442-9E07-B02B0E54B419}" srcOrd="1" destOrd="0" presId="urn:microsoft.com/office/officeart/2005/8/layout/orgChart1"/>
+    <dgm:cxn modelId="{B03953CE-FEC5-9F49-985F-62FDE0CE819E}" type="presParOf" srcId="{1411CA74-8868-5442-9E07-B02B0E54B419}" destId="{09605BAD-68B0-B74C-AB3E-C799D72C3E7D}" srcOrd="0" destOrd="0" presId="urn:microsoft.com/office/officeart/2005/8/layout/orgChart1"/>
+    <dgm:cxn modelId="{BA48A331-CB88-7141-8F45-A11B3D90AA1D}" type="presParOf" srcId="{09605BAD-68B0-B74C-AB3E-C799D72C3E7D}" destId="{0BBE3A9C-E90D-994E-8B20-48391397A6C3}" srcOrd="0" destOrd="0" presId="urn:microsoft.com/office/officeart/2005/8/layout/orgChart1"/>
+    <dgm:cxn modelId="{13FF7022-123C-0F4A-9CD4-A1A63923AF92}" type="presParOf" srcId="{09605BAD-68B0-B74C-AB3E-C799D72C3E7D}" destId="{E30F0F00-AA3C-3F4D-93C7-674F7E197808}" srcOrd="1" destOrd="0" presId="urn:microsoft.com/office/officeart/2005/8/layout/orgChart1"/>
+    <dgm:cxn modelId="{9B3C7B57-6CCF-514B-855F-B95920F0BB73}" type="presParOf" srcId="{1411CA74-8868-5442-9E07-B02B0E54B419}" destId="{2E625255-41D8-C54E-AD5C-55B2B3CF3369}" srcOrd="1" destOrd="0" presId="urn:microsoft.com/office/officeart/2005/8/layout/orgChart1"/>
+    <dgm:cxn modelId="{A1410068-D650-A54B-B706-7C086D69C488}" type="presParOf" srcId="{2E625255-41D8-C54E-AD5C-55B2B3CF3369}" destId="{F40B0238-6482-9345-95B0-99F3FFC3A834}" srcOrd="0" destOrd="0" presId="urn:microsoft.com/office/officeart/2005/8/layout/orgChart1"/>
+    <dgm:cxn modelId="{1C067EAC-5593-C54A-8D2A-565AC75B5AEB}" type="presParOf" srcId="{2E625255-41D8-C54E-AD5C-55B2B3CF3369}" destId="{CA74C27D-1B2A-BC42-B9A2-5FAC24125225}" srcOrd="1" destOrd="0" presId="urn:microsoft.com/office/officeart/2005/8/layout/orgChart1"/>
+    <dgm:cxn modelId="{F509A45D-A9E4-1048-81BB-AC922E8D9A1F}" type="presParOf" srcId="{CA74C27D-1B2A-BC42-B9A2-5FAC24125225}" destId="{631BE431-D632-1E4B-BC7E-82FFDBBFF8FD}" srcOrd="0" destOrd="0" presId="urn:microsoft.com/office/officeart/2005/8/layout/orgChart1"/>
+    <dgm:cxn modelId="{BB41CD75-D5EE-2348-9E33-C6A5A47A624C}" type="presParOf" srcId="{631BE431-D632-1E4B-BC7E-82FFDBBFF8FD}" destId="{F5739D3E-4C56-E449-AF42-FA52882ABDEC}" srcOrd="0" destOrd="0" presId="urn:microsoft.com/office/officeart/2005/8/layout/orgChart1"/>
+    <dgm:cxn modelId="{857E4CCC-CA94-2A43-9DDB-4BECE2BFB12B}" type="presParOf" srcId="{631BE431-D632-1E4B-BC7E-82FFDBBFF8FD}" destId="{763AB058-4B28-314A-B8B2-153E0ADFA8A4}" srcOrd="1" destOrd="0" presId="urn:microsoft.com/office/officeart/2005/8/layout/orgChart1"/>
+    <dgm:cxn modelId="{66DCE4D0-D303-9A4E-8514-63EC580BB580}" type="presParOf" srcId="{CA74C27D-1B2A-BC42-B9A2-5FAC24125225}" destId="{7456C666-7A94-164E-BA5C-0D7BED2AC631}" srcOrd="1" destOrd="0" presId="urn:microsoft.com/office/officeart/2005/8/layout/orgChart1"/>
+    <dgm:cxn modelId="{9E4FBF5A-9A5F-0846-8B29-35A6188167CC}" type="presParOf" srcId="{CA74C27D-1B2A-BC42-B9A2-5FAC24125225}" destId="{00D60346-7A59-1440-813C-E062929CC91B}" srcOrd="2" destOrd="0" presId="urn:microsoft.com/office/officeart/2005/8/layout/orgChart1"/>
+    <dgm:cxn modelId="{7A3A4ED3-1BDE-8148-ADD9-5C10288194D3}" type="presParOf" srcId="{2E625255-41D8-C54E-AD5C-55B2B3CF3369}" destId="{1A05651E-FCC1-3E4B-ADC6-2BD36F70F620}" srcOrd="2" destOrd="0" presId="urn:microsoft.com/office/officeart/2005/8/layout/orgChart1"/>
+    <dgm:cxn modelId="{EE66CA6C-C836-9F4A-A12C-EEE115E0A31A}" type="presParOf" srcId="{2E625255-41D8-C54E-AD5C-55B2B3CF3369}" destId="{DB0B9952-534E-7C45-919B-6A6AE22D5D62}" srcOrd="3" destOrd="0" presId="urn:microsoft.com/office/officeart/2005/8/layout/orgChart1"/>
+    <dgm:cxn modelId="{201D2CB9-C7E1-4C49-A3F6-CF174902D65A}" type="presParOf" srcId="{DB0B9952-534E-7C45-919B-6A6AE22D5D62}" destId="{ABFD034D-D6C7-6344-A1DB-25A9C40F5F63}" srcOrd="0" destOrd="0" presId="urn:microsoft.com/office/officeart/2005/8/layout/orgChart1"/>
+    <dgm:cxn modelId="{DC264520-E293-C14F-A55B-631A14CCFBB0}" type="presParOf" srcId="{ABFD034D-D6C7-6344-A1DB-25A9C40F5F63}" destId="{13C10920-A351-2946-9F4A-EB7ADF9A0DA8}" srcOrd="0" destOrd="0" presId="urn:microsoft.com/office/officeart/2005/8/layout/orgChart1"/>
+    <dgm:cxn modelId="{8B8B439A-4B9E-D945-9DF6-E42493D5EB7B}" type="presParOf" srcId="{ABFD034D-D6C7-6344-A1DB-25A9C40F5F63}" destId="{497660EC-5F87-F945-8329-B1ED6A466529}" srcOrd="1" destOrd="0" presId="urn:microsoft.com/office/officeart/2005/8/layout/orgChart1"/>
+    <dgm:cxn modelId="{C060C6EF-7BA5-364D-BBC5-C9F66B4758E3}" type="presParOf" srcId="{DB0B9952-534E-7C45-919B-6A6AE22D5D62}" destId="{0F62CC44-DB5F-D64C-9A49-4850111095DC}" srcOrd="1" destOrd="0" presId="urn:microsoft.com/office/officeart/2005/8/layout/orgChart1"/>
+    <dgm:cxn modelId="{5FACBEB1-3B92-3B4E-8317-DB250EBB4059}" type="presParOf" srcId="{DB0B9952-534E-7C45-919B-6A6AE22D5D62}" destId="{B88F6F5F-785E-5548-9FFB-1ADB6BA38553}" srcOrd="2" destOrd="0" presId="urn:microsoft.com/office/officeart/2005/8/layout/orgChart1"/>
+    <dgm:cxn modelId="{0D062FE8-3D39-1943-AA37-26FBA93505F9}" type="presParOf" srcId="{1411CA74-8868-5442-9E07-B02B0E54B419}" destId="{64D2FBA2-4C32-D947-BCAF-B7CF9DCD3D00}" srcOrd="2" destOrd="0" presId="urn:microsoft.com/office/officeart/2005/8/layout/orgChart1"/>
+    <dgm:cxn modelId="{0E986024-D963-9A4B-8A65-F5BCF2B3A914}" type="presParOf" srcId="{B4632775-E5E0-6F42-BDB3-18889C620195}" destId="{35B64365-1B6A-1A4E-8DF6-9B3ED063EF81}" srcOrd="2" destOrd="0" presId="urn:microsoft.com/office/officeart/2005/8/layout/orgChart1"/>
+    <dgm:cxn modelId="{FF9F7018-546C-1241-A716-243F3882AFB6}" type="presParOf" srcId="{B4632775-E5E0-6F42-BDB3-18889C620195}" destId="{4CAB1315-CF58-A74C-80CD-44C2C436CC63}" srcOrd="3" destOrd="0" presId="urn:microsoft.com/office/officeart/2005/8/layout/orgChart1"/>
+    <dgm:cxn modelId="{C00D3305-2F70-F04A-8D29-898A3C812640}" type="presParOf" srcId="{4CAB1315-CF58-A74C-80CD-44C2C436CC63}" destId="{BE68CDBA-D1FE-FA42-AF29-2766E728320F}" srcOrd="0" destOrd="0" presId="urn:microsoft.com/office/officeart/2005/8/layout/orgChart1"/>
+    <dgm:cxn modelId="{DA02DC4A-B57C-8745-9E72-92D93170523F}" type="presParOf" srcId="{BE68CDBA-D1FE-FA42-AF29-2766E728320F}" destId="{BCC905DD-80ED-A947-BE40-0EA8BBF8D493}" srcOrd="0" destOrd="0" presId="urn:microsoft.com/office/officeart/2005/8/layout/orgChart1"/>
+    <dgm:cxn modelId="{E6714F4D-A830-8C4D-8B7C-D477E2A49F25}" type="presParOf" srcId="{BE68CDBA-D1FE-FA42-AF29-2766E728320F}" destId="{0F5A77EC-1EAD-0E4C-B61B-B1837570330E}" srcOrd="1" destOrd="0" presId="urn:microsoft.com/office/officeart/2005/8/layout/orgChart1"/>
+    <dgm:cxn modelId="{CD5FE7D5-5679-BE4E-B640-9DFB1B9E1FAB}" type="presParOf" srcId="{4CAB1315-CF58-A74C-80CD-44C2C436CC63}" destId="{EBDCFFF0-320B-3746-9A54-A8EE61C9AD77}" srcOrd="1" destOrd="0" presId="urn:microsoft.com/office/officeart/2005/8/layout/orgChart1"/>
+    <dgm:cxn modelId="{CB3BA778-2A54-0F47-A524-8872D9436828}" type="presParOf" srcId="{EBDCFFF0-320B-3746-9A54-A8EE61C9AD77}" destId="{286CBA12-2F44-E04A-97C5-6CCF6F3ADB64}" srcOrd="0" destOrd="0" presId="urn:microsoft.com/office/officeart/2005/8/layout/orgChart1"/>
+    <dgm:cxn modelId="{6A3CA6BA-4830-0345-8D31-4444394BAE81}" type="presParOf" srcId="{EBDCFFF0-320B-3746-9A54-A8EE61C9AD77}" destId="{13CF4E89-555D-154D-9F06-269478EDE267}" srcOrd="1" destOrd="0" presId="urn:microsoft.com/office/officeart/2005/8/layout/orgChart1"/>
+    <dgm:cxn modelId="{2D8D4DDB-B4FF-D948-8986-411D8A51CAB9}" type="presParOf" srcId="{13CF4E89-555D-154D-9F06-269478EDE267}" destId="{6BAA2BA8-25B7-4443-98A7-5BEEF2E71F39}" srcOrd="0" destOrd="0" presId="urn:microsoft.com/office/officeart/2005/8/layout/orgChart1"/>
+    <dgm:cxn modelId="{235845A7-78BB-F847-816C-C32BFB5B8693}" type="presParOf" srcId="{6BAA2BA8-25B7-4443-98A7-5BEEF2E71F39}" destId="{DACC3239-D61B-044E-9133-C476860C68AB}" srcOrd="0" destOrd="0" presId="urn:microsoft.com/office/officeart/2005/8/layout/orgChart1"/>
+    <dgm:cxn modelId="{C3ED431D-2951-8140-9555-1BFD7DEAFA7B}" type="presParOf" srcId="{6BAA2BA8-25B7-4443-98A7-5BEEF2E71F39}" destId="{731DE64E-5A95-BE46-991D-139A7E0E6640}" srcOrd="1" destOrd="0" presId="urn:microsoft.com/office/officeart/2005/8/layout/orgChart1"/>
+    <dgm:cxn modelId="{B47CA948-A285-E84A-A70A-AAD708EB707B}" type="presParOf" srcId="{13CF4E89-555D-154D-9F06-269478EDE267}" destId="{349B5AEB-1245-BA4B-8CBE-491005C52123}" srcOrd="1" destOrd="0" presId="urn:microsoft.com/office/officeart/2005/8/layout/orgChart1"/>
+    <dgm:cxn modelId="{E964005A-853A-344D-A682-F7AFD845ACB9}" type="presParOf" srcId="{13CF4E89-555D-154D-9F06-269478EDE267}" destId="{E30A85F8-3FC1-CB47-90F1-BB86D9CA6BC4}" srcOrd="2" destOrd="0" presId="urn:microsoft.com/office/officeart/2005/8/layout/orgChart1"/>
+    <dgm:cxn modelId="{0BC67793-1CD0-DC4C-A6E9-BA3109B56C4E}" type="presParOf" srcId="{EBDCFFF0-320B-3746-9A54-A8EE61C9AD77}" destId="{1EB1F60C-4105-3C40-9CBA-FE6664070E1F}" srcOrd="2" destOrd="0" presId="urn:microsoft.com/office/officeart/2005/8/layout/orgChart1"/>
+    <dgm:cxn modelId="{C4BC049A-0FBE-A543-ADE2-0D3EC1DC17E7}" type="presParOf" srcId="{EBDCFFF0-320B-3746-9A54-A8EE61C9AD77}" destId="{5ECAC20E-3F8C-A14B-B7CF-3CA02D0864A6}" srcOrd="3" destOrd="0" presId="urn:microsoft.com/office/officeart/2005/8/layout/orgChart1"/>
+    <dgm:cxn modelId="{2A19491B-1B60-4D4F-B2BB-D74F3DC5513A}" type="presParOf" srcId="{5ECAC20E-3F8C-A14B-B7CF-3CA02D0864A6}" destId="{BB8D76AD-7314-CF48-9492-3DF73EBC1A70}" srcOrd="0" destOrd="0" presId="urn:microsoft.com/office/officeart/2005/8/layout/orgChart1"/>
+    <dgm:cxn modelId="{BFC45290-4A7E-FD4C-ABF3-61AA7846491D}" type="presParOf" srcId="{BB8D76AD-7314-CF48-9492-3DF73EBC1A70}" destId="{008B0230-5506-1941-AFA6-7F30E4887F09}" srcOrd="0" destOrd="0" presId="urn:microsoft.com/office/officeart/2005/8/layout/orgChart1"/>
+    <dgm:cxn modelId="{7B892435-2951-CE43-9589-8A878D16A45A}" type="presParOf" srcId="{BB8D76AD-7314-CF48-9492-3DF73EBC1A70}" destId="{523013AC-3415-724D-9530-27A73D79C35A}" srcOrd="1" destOrd="0" presId="urn:microsoft.com/office/officeart/2005/8/layout/orgChart1"/>
+    <dgm:cxn modelId="{1E0E8196-6053-9F48-A64B-E436B56C0D41}" type="presParOf" srcId="{5ECAC20E-3F8C-A14B-B7CF-3CA02D0864A6}" destId="{6BD644F3-05C3-4549-A470-F3C9A26467B0}" srcOrd="1" destOrd="0" presId="urn:microsoft.com/office/officeart/2005/8/layout/orgChart1"/>
+    <dgm:cxn modelId="{9EDDA603-27A4-434D-ABA1-E04BBAB9E0AA}" type="presParOf" srcId="{5ECAC20E-3F8C-A14B-B7CF-3CA02D0864A6}" destId="{1382BCDB-5FA6-6840-B181-A03D95CC6A94}" srcOrd="2" destOrd="0" presId="urn:microsoft.com/office/officeart/2005/8/layout/orgChart1"/>
+    <dgm:cxn modelId="{99C91AA9-55C6-4042-BC65-AA09FAAAA313}" type="presParOf" srcId="{4CAB1315-CF58-A74C-80CD-44C2C436CC63}" destId="{FE6D944B-9383-6041-BC02-02D4FA1C4E9A}" srcOrd="2" destOrd="0" presId="urn:microsoft.com/office/officeart/2005/8/layout/orgChart1"/>
     <dgm:cxn modelId="{6E70F528-9846-854E-8A5D-3FE0B2190643}" type="presParOf" srcId="{3182008A-5FA8-D849-84E1-85AB2690C187}" destId="{FA46356C-6DD4-A547-9DE3-A36BCBCA9712}" srcOrd="2" destOrd="0" presId="urn:microsoft.com/office/officeart/2005/8/layout/orgChart1"/>
     <dgm:cxn modelId="{782F7AB4-019B-A34F-8421-07CF7C1D6BC9}" type="presParOf" srcId="{FA46356C-6DD4-A547-9DE3-A36BCBCA9712}" destId="{6DE2FBEB-49D7-DA48-A085-3164AC0F234D}" srcOrd="0" destOrd="0" presId="urn:microsoft.com/office/officeart/2005/8/layout/orgChart1"/>
     <dgm:cxn modelId="{DF2C1A8E-5751-294E-AF37-64E9D5054296}" type="presParOf" srcId="{FA46356C-6DD4-A547-9DE3-A36BCBCA9712}" destId="{6201EADC-5051-9243-8213-82AA49C92FC2}" srcOrd="1" destOrd="0" presId="urn:microsoft.com/office/officeart/2005/8/layout/orgChart1"/>
@@ -2445,6 +2919,13 @@
         </dgm:presLayoutVars>
       </dgm:prSet>
       <dgm:spPr/>
+      <dgm:t>
+        <a:bodyPr/>
+        <a:lstStyle/>
+        <a:p>
+          <a:endParaRPr lang="en-US"/>
+        </a:p>
+      </dgm:t>
     </dgm:pt>
     <dgm:pt modelId="{4C9788FA-EBBA-C54B-9187-587CCB55F56D}" type="pres">
       <dgm:prSet presAssocID="{BBC2577D-3F68-5944-A8F8-7B21016DE0C6}" presName="hierRoot1" presStyleCnt="0">
@@ -2476,6 +2957,13 @@
     <dgm:pt modelId="{533FA425-CA75-194F-AF3B-384DFBF2B995}" type="pres">
       <dgm:prSet presAssocID="{BBC2577D-3F68-5944-A8F8-7B21016DE0C6}" presName="rootConnector1" presStyleLbl="node1" presStyleIdx="0" presStyleCnt="0"/>
       <dgm:spPr/>
+      <dgm:t>
+        <a:bodyPr/>
+        <a:lstStyle/>
+        <a:p>
+          <a:endParaRPr lang="en-US"/>
+        </a:p>
+      </dgm:t>
     </dgm:pt>
     <dgm:pt modelId="{8428854F-1DC1-1145-BB7A-8FFF70B2E8B4}" type="pres">
       <dgm:prSet presAssocID="{BBC2577D-3F68-5944-A8F8-7B21016DE0C6}" presName="hierChild2" presStyleCnt="0"/>
@@ -2484,6 +2972,13 @@
     <dgm:pt modelId="{096364E0-13AD-6440-819C-781B6C616949}" type="pres">
       <dgm:prSet presAssocID="{4ACBC1E2-775D-934A-8414-0D721FFE31BD}" presName="Name37" presStyleLbl="parChTrans1D2" presStyleIdx="0" presStyleCnt="4"/>
       <dgm:spPr/>
+      <dgm:t>
+        <a:bodyPr/>
+        <a:lstStyle/>
+        <a:p>
+          <a:endParaRPr lang="en-US"/>
+        </a:p>
+      </dgm:t>
     </dgm:pt>
     <dgm:pt modelId="{46F67135-2A84-D844-B631-693F8FE3F007}" type="pres">
       <dgm:prSet presAssocID="{7564168E-CB1B-3B42-90E4-529B155A516D}" presName="hierRoot2" presStyleCnt="0">
@@ -2504,10 +2999,24 @@
         </dgm:presLayoutVars>
       </dgm:prSet>
       <dgm:spPr/>
+      <dgm:t>
+        <a:bodyPr/>
+        <a:lstStyle/>
+        <a:p>
+          <a:endParaRPr lang="en-US"/>
+        </a:p>
+      </dgm:t>
     </dgm:pt>
     <dgm:pt modelId="{903156D5-D142-1648-867D-D26A15B4F1AA}" type="pres">
       <dgm:prSet presAssocID="{7564168E-CB1B-3B42-90E4-529B155A516D}" presName="rootConnector" presStyleLbl="node2" presStyleIdx="0" presStyleCnt="3"/>
       <dgm:spPr/>
+      <dgm:t>
+        <a:bodyPr/>
+        <a:lstStyle/>
+        <a:p>
+          <a:endParaRPr lang="en-US"/>
+        </a:p>
+      </dgm:t>
     </dgm:pt>
     <dgm:pt modelId="{D791C1B7-C68A-5E4B-9085-0A9D61E3A09D}" type="pres">
       <dgm:prSet presAssocID="{7564168E-CB1B-3B42-90E4-529B155A516D}" presName="hierChild4" presStyleCnt="0"/>
@@ -2520,6 +3029,13 @@
     <dgm:pt modelId="{B28835FF-27B5-EB41-9F14-89659D158C0E}" type="pres">
       <dgm:prSet presAssocID="{108980B1-C116-D74F-9902-57DB1B8BACD6}" presName="Name37" presStyleLbl="parChTrans1D2" presStyleIdx="1" presStyleCnt="4"/>
       <dgm:spPr/>
+      <dgm:t>
+        <a:bodyPr/>
+        <a:lstStyle/>
+        <a:p>
+          <a:endParaRPr lang="en-US"/>
+        </a:p>
+      </dgm:t>
     </dgm:pt>
     <dgm:pt modelId="{133F648E-6E9B-5140-B4CE-962E2099EF03}" type="pres">
       <dgm:prSet presAssocID="{808CA920-7DEB-6847-B44B-8FBC17A976E1}" presName="hierRoot2" presStyleCnt="0">
@@ -2551,6 +3067,13 @@
     <dgm:pt modelId="{CA55AB5B-9EBE-CB47-B8C8-6115F96FA67C}" type="pres">
       <dgm:prSet presAssocID="{808CA920-7DEB-6847-B44B-8FBC17A976E1}" presName="rootConnector" presStyleLbl="node2" presStyleIdx="1" presStyleCnt="3"/>
       <dgm:spPr/>
+      <dgm:t>
+        <a:bodyPr/>
+        <a:lstStyle/>
+        <a:p>
+          <a:endParaRPr lang="en-US"/>
+        </a:p>
+      </dgm:t>
     </dgm:pt>
     <dgm:pt modelId="{8EEBC566-74DB-ED41-90BB-228E3EA4D660}" type="pres">
       <dgm:prSet presAssocID="{808CA920-7DEB-6847-B44B-8FBC17A976E1}" presName="hierChild4" presStyleCnt="0"/>
@@ -2563,6 +3086,13 @@
     <dgm:pt modelId="{B1D0DE62-08A1-3D4A-917A-B1C571BDDAE4}" type="pres">
       <dgm:prSet presAssocID="{66DC00D8-DFD3-B148-885F-F1C8A3CF8DAF}" presName="Name37" presStyleLbl="parChTrans1D2" presStyleIdx="2" presStyleCnt="4"/>
       <dgm:spPr/>
+      <dgm:t>
+        <a:bodyPr/>
+        <a:lstStyle/>
+        <a:p>
+          <a:endParaRPr lang="en-US"/>
+        </a:p>
+      </dgm:t>
     </dgm:pt>
     <dgm:pt modelId="{A540EF3F-A0AD-F14A-AADB-B5DD8BD3CB2A}" type="pres">
       <dgm:prSet presAssocID="{27B6BFA8-FB9A-7C48-B3A3-7EF2BBE4EA73}" presName="hierRoot2" presStyleCnt="0">
@@ -2594,6 +3124,13 @@
     <dgm:pt modelId="{99C21A14-BED7-F44F-9EDE-4AF12A2ECE65}" type="pres">
       <dgm:prSet presAssocID="{27B6BFA8-FB9A-7C48-B3A3-7EF2BBE4EA73}" presName="rootConnector" presStyleLbl="node2" presStyleIdx="2" presStyleCnt="3"/>
       <dgm:spPr/>
+      <dgm:t>
+        <a:bodyPr/>
+        <a:lstStyle/>
+        <a:p>
+          <a:endParaRPr lang="en-US"/>
+        </a:p>
+      </dgm:t>
     </dgm:pt>
     <dgm:pt modelId="{02FB8528-3EA6-D648-9B35-AA671152AA6D}" type="pres">
       <dgm:prSet presAssocID="{27B6BFA8-FB9A-7C48-B3A3-7EF2BBE4EA73}" presName="hierChild4" presStyleCnt="0"/>
@@ -2610,6 +3147,13 @@
     <dgm:pt modelId="{E4054741-4A9D-8548-88D2-CAE3AB48B82B}" type="pres">
       <dgm:prSet presAssocID="{CC009E73-2E86-7F48-B24B-517FAD252902}" presName="Name111" presStyleLbl="parChTrans1D2" presStyleIdx="3" presStyleCnt="4"/>
       <dgm:spPr/>
+      <dgm:t>
+        <a:bodyPr/>
+        <a:lstStyle/>
+        <a:p>
+          <a:endParaRPr lang="en-US"/>
+        </a:p>
+      </dgm:t>
     </dgm:pt>
     <dgm:pt modelId="{E679EBA1-12A6-A145-A140-CD64B0343E63}" type="pres">
       <dgm:prSet presAssocID="{D56BFAB5-0F7D-1049-AF80-7B4E39146B88}" presName="hierRoot3" presStyleCnt="0">
@@ -2641,6 +3185,13 @@
     <dgm:pt modelId="{AB468E06-3EBE-5D45-A4B6-91E3FAA4F338}" type="pres">
       <dgm:prSet presAssocID="{D56BFAB5-0F7D-1049-AF80-7B4E39146B88}" presName="rootConnector3" presStyleLbl="asst1" presStyleIdx="0" presStyleCnt="1"/>
       <dgm:spPr/>
+      <dgm:t>
+        <a:bodyPr/>
+        <a:lstStyle/>
+        <a:p>
+          <a:endParaRPr lang="en-US"/>
+        </a:p>
+      </dgm:t>
     </dgm:pt>
     <dgm:pt modelId="{239C0300-A5D9-A64B-BCFB-59C8FD6EF977}" type="pres">
       <dgm:prSet presAssocID="{D56BFAB5-0F7D-1049-AF80-7B4E39146B88}" presName="hierChild6" presStyleCnt="0"/>
@@ -2652,26 +3203,26 @@
     </dgm:pt>
   </dgm:ptLst>
   <dgm:cxnLst>
+    <dgm:cxn modelId="{730E21C4-E2E1-F94E-8015-0801116779AD}" type="presOf" srcId="{7564168E-CB1B-3B42-90E4-529B155A516D}" destId="{903156D5-D142-1648-867D-D26A15B4F1AA}" srcOrd="1" destOrd="0" presId="urn:microsoft.com/office/officeart/2005/8/layout/orgChart1"/>
+    <dgm:cxn modelId="{63092FAD-9631-6C46-8B11-4333B884FFE5}" srcId="{BBC2577D-3F68-5944-A8F8-7B21016DE0C6}" destId="{D56BFAB5-0F7D-1049-AF80-7B4E39146B88}" srcOrd="0" destOrd="0" parTransId="{CC009E73-2E86-7F48-B24B-517FAD252902}" sibTransId="{4F9CD30B-8429-6E40-A5B5-1B88DB85D797}"/>
+    <dgm:cxn modelId="{BDF9C9BE-3C50-B449-936F-E274D3CE5F79}" type="presOf" srcId="{D56BFAB5-0F7D-1049-AF80-7B4E39146B88}" destId="{AB468E06-3EBE-5D45-A4B6-91E3FAA4F338}" srcOrd="1" destOrd="0" presId="urn:microsoft.com/office/officeart/2005/8/layout/orgChart1"/>
     <dgm:cxn modelId="{58540CEA-9987-4C44-9F02-ACD7E9FDA695}" type="presOf" srcId="{7564168E-CB1B-3B42-90E4-529B155A516D}" destId="{CF1F3345-8051-474C-B36E-CAD29AC0E14A}" srcOrd="0" destOrd="0" presId="urn:microsoft.com/office/officeart/2005/8/layout/orgChart1"/>
+    <dgm:cxn modelId="{C4AE9770-B74C-2F49-9973-4F836BAC8AE1}" srcId="{BBC2577D-3F68-5944-A8F8-7B21016DE0C6}" destId="{808CA920-7DEB-6847-B44B-8FBC17A976E1}" srcOrd="2" destOrd="0" parTransId="{108980B1-C116-D74F-9902-57DB1B8BACD6}" sibTransId="{7F5F73BF-7D53-0B41-9B69-0EEEB6CCFBA4}"/>
+    <dgm:cxn modelId="{22873C44-D559-B741-8A3C-127DF06798C2}" srcId="{7E7C60EC-3D58-AE40-A090-A39111505A2C}" destId="{BBC2577D-3F68-5944-A8F8-7B21016DE0C6}" srcOrd="0" destOrd="0" parTransId="{5AC11500-122B-0A4C-B087-2700FC327DE6}" sibTransId="{547E6616-BE1C-FE41-A92E-956AD8027A4A}"/>
+    <dgm:cxn modelId="{319B414A-F1ED-C845-8644-B1C8A8E4D6EC}" type="presOf" srcId="{BBC2577D-3F68-5944-A8F8-7B21016DE0C6}" destId="{533FA425-CA75-194F-AF3B-384DFBF2B995}" srcOrd="1" destOrd="0" presId="urn:microsoft.com/office/officeart/2005/8/layout/orgChart1"/>
+    <dgm:cxn modelId="{9E5A2E02-E28E-EB4F-974B-500E485EF57C}" type="presOf" srcId="{27B6BFA8-FB9A-7C48-B3A3-7EF2BBE4EA73}" destId="{358A31D3-C070-F04F-A3E9-C5E02D265749}" srcOrd="0" destOrd="0" presId="urn:microsoft.com/office/officeart/2005/8/layout/orgChart1"/>
+    <dgm:cxn modelId="{98AD052E-6C1F-144C-854B-F819814530FF}" type="presOf" srcId="{27B6BFA8-FB9A-7C48-B3A3-7EF2BBE4EA73}" destId="{99C21A14-BED7-F44F-9EDE-4AF12A2ECE65}" srcOrd="1" destOrd="0" presId="urn:microsoft.com/office/officeart/2005/8/layout/orgChart1"/>
+    <dgm:cxn modelId="{4ABEA3A6-CB75-F44F-A15C-C4AB73192071}" type="presOf" srcId="{D56BFAB5-0F7D-1049-AF80-7B4E39146B88}" destId="{27FBB2EC-A190-754A-B1C2-2D118CDC6E3D}" srcOrd="0" destOrd="0" presId="urn:microsoft.com/office/officeart/2005/8/layout/orgChart1"/>
+    <dgm:cxn modelId="{9DF63080-E552-4C49-AFAD-442FA912F892}" type="presOf" srcId="{808CA920-7DEB-6847-B44B-8FBC17A976E1}" destId="{CA55AB5B-9EBE-CB47-B8C8-6115F96FA67C}" srcOrd="1" destOrd="0" presId="urn:microsoft.com/office/officeart/2005/8/layout/orgChart1"/>
+    <dgm:cxn modelId="{C56B2CE6-C4CD-DE48-8919-2595D29C8B1B}" type="presOf" srcId="{808CA920-7DEB-6847-B44B-8FBC17A976E1}" destId="{84D4DEF1-8450-674E-B3CD-CE37C99A2DAF}" srcOrd="0" destOrd="0" presId="urn:microsoft.com/office/officeart/2005/8/layout/orgChart1"/>
+    <dgm:cxn modelId="{C2CD282B-5C19-B340-ADA8-DB32E69E9A62}" type="presOf" srcId="{BBC2577D-3F68-5944-A8F8-7B21016DE0C6}" destId="{EB3BB420-5CE1-C148-971D-EDBF55B2CA15}" srcOrd="0" destOrd="0" presId="urn:microsoft.com/office/officeart/2005/8/layout/orgChart1"/>
     <dgm:cxn modelId="{C72399A8-84D8-6240-B639-920CE5C1FDE2}" srcId="{BBC2577D-3F68-5944-A8F8-7B21016DE0C6}" destId="{27B6BFA8-FB9A-7C48-B3A3-7EF2BBE4EA73}" srcOrd="3" destOrd="0" parTransId="{66DC00D8-DFD3-B148-885F-F1C8A3CF8DAF}" sibTransId="{9EAB94CD-6CFD-FB4A-9CAF-BA47CD6F5858}"/>
-    <dgm:cxn modelId="{63092FAD-9631-6C46-8B11-4333B884FFE5}" srcId="{BBC2577D-3F68-5944-A8F8-7B21016DE0C6}" destId="{D56BFAB5-0F7D-1049-AF80-7B4E39146B88}" srcOrd="0" destOrd="0" parTransId="{CC009E73-2E86-7F48-B24B-517FAD252902}" sibTransId="{4F9CD30B-8429-6E40-A5B5-1B88DB85D797}"/>
-    <dgm:cxn modelId="{98AD052E-6C1F-144C-854B-F819814530FF}" type="presOf" srcId="{27B6BFA8-FB9A-7C48-B3A3-7EF2BBE4EA73}" destId="{99C21A14-BED7-F44F-9EDE-4AF12A2ECE65}" srcOrd="1" destOrd="0" presId="urn:microsoft.com/office/officeart/2005/8/layout/orgChart1"/>
-    <dgm:cxn modelId="{730E21C4-E2E1-F94E-8015-0801116779AD}" type="presOf" srcId="{7564168E-CB1B-3B42-90E4-529B155A516D}" destId="{903156D5-D142-1648-867D-D26A15B4F1AA}" srcOrd="1" destOrd="0" presId="urn:microsoft.com/office/officeart/2005/8/layout/orgChart1"/>
-    <dgm:cxn modelId="{BDF9C9BE-3C50-B449-936F-E274D3CE5F79}" type="presOf" srcId="{D56BFAB5-0F7D-1049-AF80-7B4E39146B88}" destId="{AB468E06-3EBE-5D45-A4B6-91E3FAA4F338}" srcOrd="1" destOrd="0" presId="urn:microsoft.com/office/officeart/2005/8/layout/orgChart1"/>
-    <dgm:cxn modelId="{C56B2CE6-C4CD-DE48-8919-2595D29C8B1B}" type="presOf" srcId="{808CA920-7DEB-6847-B44B-8FBC17A976E1}" destId="{84D4DEF1-8450-674E-B3CD-CE37C99A2DAF}" srcOrd="0" destOrd="0" presId="urn:microsoft.com/office/officeart/2005/8/layout/orgChart1"/>
+    <dgm:cxn modelId="{8A7CD0CE-8915-1D40-A068-FF56160BE969}" type="presOf" srcId="{66DC00D8-DFD3-B148-885F-F1C8A3CF8DAF}" destId="{B1D0DE62-08A1-3D4A-917A-B1C571BDDAE4}" srcOrd="0" destOrd="0" presId="urn:microsoft.com/office/officeart/2005/8/layout/orgChart1"/>
+    <dgm:cxn modelId="{99C16ECC-C0F0-B44F-95BF-68C5A38AA1A2}" type="presOf" srcId="{7E7C60EC-3D58-AE40-A090-A39111505A2C}" destId="{FA8AEC15-01CC-0A46-80ED-E634781DEDF1}" srcOrd="0" destOrd="0" presId="urn:microsoft.com/office/officeart/2005/8/layout/orgChart1"/>
     <dgm:cxn modelId="{48E582E6-5069-D047-BE7F-B69B4217883B}" srcId="{BBC2577D-3F68-5944-A8F8-7B21016DE0C6}" destId="{7564168E-CB1B-3B42-90E4-529B155A516D}" srcOrd="1" destOrd="0" parTransId="{4ACBC1E2-775D-934A-8414-0D721FFE31BD}" sibTransId="{8299165B-EA0F-8745-A0F6-25B22B28FC19}"/>
-    <dgm:cxn modelId="{C4AE9770-B74C-2F49-9973-4F836BAC8AE1}" srcId="{BBC2577D-3F68-5944-A8F8-7B21016DE0C6}" destId="{808CA920-7DEB-6847-B44B-8FBC17A976E1}" srcOrd="2" destOrd="0" parTransId="{108980B1-C116-D74F-9902-57DB1B8BACD6}" sibTransId="{7F5F73BF-7D53-0B41-9B69-0EEEB6CCFBA4}"/>
-    <dgm:cxn modelId="{9DF63080-E552-4C49-AFAD-442FA912F892}" type="presOf" srcId="{808CA920-7DEB-6847-B44B-8FBC17A976E1}" destId="{CA55AB5B-9EBE-CB47-B8C8-6115F96FA67C}" srcOrd="1" destOrd="0" presId="urn:microsoft.com/office/officeart/2005/8/layout/orgChart1"/>
-    <dgm:cxn modelId="{4ABEA3A6-CB75-F44F-A15C-C4AB73192071}" type="presOf" srcId="{D56BFAB5-0F7D-1049-AF80-7B4E39146B88}" destId="{27FBB2EC-A190-754A-B1C2-2D118CDC6E3D}" srcOrd="0" destOrd="0" presId="urn:microsoft.com/office/officeart/2005/8/layout/orgChart1"/>
-    <dgm:cxn modelId="{99C16ECC-C0F0-B44F-95BF-68C5A38AA1A2}" type="presOf" srcId="{7E7C60EC-3D58-AE40-A090-A39111505A2C}" destId="{FA8AEC15-01CC-0A46-80ED-E634781DEDF1}" srcOrd="0" destOrd="0" presId="urn:microsoft.com/office/officeart/2005/8/layout/orgChart1"/>
+    <dgm:cxn modelId="{233ECA5F-0526-F943-86C8-C179D599CF76}" type="presOf" srcId="{108980B1-C116-D74F-9902-57DB1B8BACD6}" destId="{B28835FF-27B5-EB41-9F14-89659D158C0E}" srcOrd="0" destOrd="0" presId="urn:microsoft.com/office/officeart/2005/8/layout/orgChart1"/>
+    <dgm:cxn modelId="{F9F0D018-B941-A849-9BD0-6431DE6D8DBC}" type="presOf" srcId="{4ACBC1E2-775D-934A-8414-0D721FFE31BD}" destId="{096364E0-13AD-6440-819C-781B6C616949}" srcOrd="0" destOrd="0" presId="urn:microsoft.com/office/officeart/2005/8/layout/orgChart1"/>
     <dgm:cxn modelId="{D2E860E6-F528-7F4C-8C55-2A89D12DF35D}" type="presOf" srcId="{CC009E73-2E86-7F48-B24B-517FAD252902}" destId="{E4054741-4A9D-8548-88D2-CAE3AB48B82B}" srcOrd="0" destOrd="0" presId="urn:microsoft.com/office/officeart/2005/8/layout/orgChart1"/>
-    <dgm:cxn modelId="{9E5A2E02-E28E-EB4F-974B-500E485EF57C}" type="presOf" srcId="{27B6BFA8-FB9A-7C48-B3A3-7EF2BBE4EA73}" destId="{358A31D3-C070-F04F-A3E9-C5E02D265749}" srcOrd="0" destOrd="0" presId="urn:microsoft.com/office/officeart/2005/8/layout/orgChart1"/>
-    <dgm:cxn modelId="{22873C44-D559-B741-8A3C-127DF06798C2}" srcId="{7E7C60EC-3D58-AE40-A090-A39111505A2C}" destId="{BBC2577D-3F68-5944-A8F8-7B21016DE0C6}" srcOrd="0" destOrd="0" parTransId="{5AC11500-122B-0A4C-B087-2700FC327DE6}" sibTransId="{547E6616-BE1C-FE41-A92E-956AD8027A4A}"/>
-    <dgm:cxn modelId="{8A7CD0CE-8915-1D40-A068-FF56160BE969}" type="presOf" srcId="{66DC00D8-DFD3-B148-885F-F1C8A3CF8DAF}" destId="{B1D0DE62-08A1-3D4A-917A-B1C571BDDAE4}" srcOrd="0" destOrd="0" presId="urn:microsoft.com/office/officeart/2005/8/layout/orgChart1"/>
-    <dgm:cxn modelId="{F9F0D018-B941-A849-9BD0-6431DE6D8DBC}" type="presOf" srcId="{4ACBC1E2-775D-934A-8414-0D721FFE31BD}" destId="{096364E0-13AD-6440-819C-781B6C616949}" srcOrd="0" destOrd="0" presId="urn:microsoft.com/office/officeart/2005/8/layout/orgChart1"/>
-    <dgm:cxn modelId="{233ECA5F-0526-F943-86C8-C179D599CF76}" type="presOf" srcId="{108980B1-C116-D74F-9902-57DB1B8BACD6}" destId="{B28835FF-27B5-EB41-9F14-89659D158C0E}" srcOrd="0" destOrd="0" presId="urn:microsoft.com/office/officeart/2005/8/layout/orgChart1"/>
-    <dgm:cxn modelId="{C2CD282B-5C19-B340-ADA8-DB32E69E9A62}" type="presOf" srcId="{BBC2577D-3F68-5944-A8F8-7B21016DE0C6}" destId="{EB3BB420-5CE1-C148-971D-EDBF55B2CA15}" srcOrd="0" destOrd="0" presId="urn:microsoft.com/office/officeart/2005/8/layout/orgChart1"/>
-    <dgm:cxn modelId="{319B414A-F1ED-C845-8644-B1C8A8E4D6EC}" type="presOf" srcId="{BBC2577D-3F68-5944-A8F8-7B21016DE0C6}" destId="{533FA425-CA75-194F-AF3B-384DFBF2B995}" srcOrd="1" destOrd="0" presId="urn:microsoft.com/office/officeart/2005/8/layout/orgChart1"/>
     <dgm:cxn modelId="{77CCC911-03E5-9D47-B1E4-FAFEA71BC3CD}" type="presParOf" srcId="{FA8AEC15-01CC-0A46-80ED-E634781DEDF1}" destId="{4C9788FA-EBBA-C54B-9187-587CCB55F56D}" srcOrd="0" destOrd="0" presId="urn:microsoft.com/office/officeart/2005/8/layout/orgChart1"/>
     <dgm:cxn modelId="{EF97BCC6-EF3C-7C4B-AA41-C8F175FAE77C}" type="presParOf" srcId="{4C9788FA-EBBA-C54B-9187-587CCB55F56D}" destId="{D9C4BEA4-3653-7E42-A7C6-A994B75318DA}" srcOrd="0" destOrd="0" presId="urn:microsoft.com/office/officeart/2005/8/layout/orgChart1"/>
     <dgm:cxn modelId="{EAED2CED-2C4B-7E4A-B2DE-693AFAAF8142}" type="presParOf" srcId="{D9C4BEA4-3653-7E42-A7C6-A994B75318DA}" destId="{EB3BB420-5CE1-C148-971D-EDBF55B2CA15}" srcOrd="0" destOrd="0" presId="urn:microsoft.com/office/officeart/2005/8/layout/orgChart1"/>
@@ -2734,8 +3285,8 @@
       </dsp:nvSpPr>
       <dsp:spPr>
         <a:xfrm>
-          <a:off x="1435006" y="552012"/>
-          <a:ext cx="92092" cy="403454"/>
+          <a:off x="1114256" y="480834"/>
+          <a:ext cx="91440" cy="351810"/>
         </a:xfrm>
         <a:custGeom>
           <a:avLst/>
@@ -2746,13 +3297,193 @@
           <a:pathLst>
             <a:path>
               <a:moveTo>
-                <a:pt x="92092" y="0"/>
+                <a:pt x="126024" y="0"/>
               </a:moveTo>
               <a:lnTo>
-                <a:pt x="92092" y="403454"/>
+                <a:pt x="126024" y="351810"/>
               </a:lnTo>
               <a:lnTo>
-                <a:pt x="0" y="403454"/>
+                <a:pt x="45720" y="351810"/>
+              </a:lnTo>
+            </a:path>
+          </a:pathLst>
+        </a:custGeom>
+        <a:noFill/>
+        <a:ln w="6350" cap="flat" cmpd="sng" algn="ctr">
+          <a:solidFill>
+            <a:schemeClr val="accent1">
+              <a:tint val="99000"/>
+              <a:hueOff val="0"/>
+              <a:satOff val="0"/>
+              <a:lumOff val="0"/>
+              <a:alphaOff val="0"/>
+            </a:schemeClr>
+          </a:solidFill>
+          <a:prstDash val="solid"/>
+          <a:miter lim="800000"/>
+        </a:ln>
+        <a:effectLst/>
+      </dsp:spPr>
+      <dsp:style>
+        <a:lnRef idx="1">
+          <a:scrgbClr r="0" g="0" b="0"/>
+        </a:lnRef>
+        <a:fillRef idx="0">
+          <a:scrgbClr r="0" g="0" b="0"/>
+        </a:fillRef>
+        <a:effectRef idx="0">
+          <a:scrgbClr r="0" g="0" b="0"/>
+        </a:effectRef>
+        <a:fontRef idx="minor"/>
+      </dsp:style>
+    </dsp:sp>
+    <dsp:sp modelId="{1EB1F60C-4105-3C40-9CBA-FE6664070E1F}">
+      <dsp:nvSpPr>
+        <dsp:cNvPr id="0" name=""/>
+        <dsp:cNvSpPr/>
+      </dsp:nvSpPr>
+      <dsp:spPr>
+        <a:xfrm>
+          <a:off x="1397065" y="1566858"/>
+          <a:ext cx="114720" cy="894822"/>
+        </a:xfrm>
+        <a:custGeom>
+          <a:avLst/>
+          <a:gdLst/>
+          <a:ahLst/>
+          <a:cxnLst/>
+          <a:rect l="0" t="0" r="0" b="0"/>
+          <a:pathLst>
+            <a:path>
+              <a:moveTo>
+                <a:pt x="0" y="0"/>
+              </a:moveTo>
+              <a:lnTo>
+                <a:pt x="0" y="894822"/>
+              </a:lnTo>
+              <a:lnTo>
+                <a:pt x="114720" y="894822"/>
+              </a:lnTo>
+            </a:path>
+          </a:pathLst>
+        </a:custGeom>
+        <a:noFill/>
+        <a:ln w="6350" cap="flat" cmpd="sng" algn="ctr">
+          <a:solidFill>
+            <a:schemeClr val="accent1">
+              <a:tint val="80000"/>
+              <a:hueOff val="0"/>
+              <a:satOff val="0"/>
+              <a:lumOff val="0"/>
+              <a:alphaOff val="0"/>
+            </a:schemeClr>
+          </a:solidFill>
+          <a:prstDash val="solid"/>
+          <a:miter lim="800000"/>
+        </a:ln>
+        <a:effectLst/>
+      </dsp:spPr>
+      <dsp:style>
+        <a:lnRef idx="1">
+          <a:scrgbClr r="0" g="0" b="0"/>
+        </a:lnRef>
+        <a:fillRef idx="0">
+          <a:scrgbClr r="0" g="0" b="0"/>
+        </a:fillRef>
+        <a:effectRef idx="0">
+          <a:scrgbClr r="0" g="0" b="0"/>
+        </a:effectRef>
+        <a:fontRef idx="minor"/>
+      </dsp:style>
+    </dsp:sp>
+    <dsp:sp modelId="{286CBA12-2F44-E04A-97C5-6CCF6F3ADB64}">
+      <dsp:nvSpPr>
+        <dsp:cNvPr id="0" name=""/>
+        <dsp:cNvSpPr/>
+      </dsp:nvSpPr>
+      <dsp:spPr>
+        <a:xfrm>
+          <a:off x="1397065" y="1566858"/>
+          <a:ext cx="114720" cy="351810"/>
+        </a:xfrm>
+        <a:custGeom>
+          <a:avLst/>
+          <a:gdLst/>
+          <a:ahLst/>
+          <a:cxnLst/>
+          <a:rect l="0" t="0" r="0" b="0"/>
+          <a:pathLst>
+            <a:path>
+              <a:moveTo>
+                <a:pt x="0" y="0"/>
+              </a:moveTo>
+              <a:lnTo>
+                <a:pt x="0" y="351810"/>
+              </a:lnTo>
+              <a:lnTo>
+                <a:pt x="114720" y="351810"/>
+              </a:lnTo>
+            </a:path>
+          </a:pathLst>
+        </a:custGeom>
+        <a:noFill/>
+        <a:ln w="6350" cap="flat" cmpd="sng" algn="ctr">
+          <a:solidFill>
+            <a:schemeClr val="accent1">
+              <a:tint val="80000"/>
+              <a:hueOff val="0"/>
+              <a:satOff val="0"/>
+              <a:lumOff val="0"/>
+              <a:alphaOff val="0"/>
+            </a:schemeClr>
+          </a:solidFill>
+          <a:prstDash val="solid"/>
+          <a:miter lim="800000"/>
+        </a:ln>
+        <a:effectLst/>
+      </dsp:spPr>
+      <dsp:style>
+        <a:lnRef idx="1">
+          <a:scrgbClr r="0" g="0" b="0"/>
+        </a:lnRef>
+        <a:fillRef idx="0">
+          <a:scrgbClr r="0" g="0" b="0"/>
+        </a:fillRef>
+        <a:effectRef idx="0">
+          <a:scrgbClr r="0" g="0" b="0"/>
+        </a:effectRef>
+        <a:fontRef idx="minor"/>
+      </dsp:style>
+    </dsp:sp>
+    <dsp:sp modelId="{35B64365-1B6A-1A4E-8DF6-9B3ED063EF81}">
+      <dsp:nvSpPr>
+        <dsp:cNvPr id="0" name=""/>
+        <dsp:cNvSpPr/>
+      </dsp:nvSpPr>
+      <dsp:spPr>
+        <a:xfrm>
+          <a:off x="1240280" y="480834"/>
+          <a:ext cx="462707" cy="703620"/>
+        </a:xfrm>
+        <a:custGeom>
+          <a:avLst/>
+          <a:gdLst/>
+          <a:ahLst/>
+          <a:cxnLst/>
+          <a:rect l="0" t="0" r="0" b="0"/>
+          <a:pathLst>
+            <a:path>
+              <a:moveTo>
+                <a:pt x="0" y="0"/>
+              </a:moveTo>
+              <a:lnTo>
+                <a:pt x="0" y="623316"/>
+              </a:lnTo>
+              <a:lnTo>
+                <a:pt x="462707" y="623316"/>
+              </a:lnTo>
+              <a:lnTo>
+                <a:pt x="462707" y="703620"/>
               </a:lnTo>
             </a:path>
           </a:pathLst>
@@ -2793,8 +3524,8 @@
       </dsp:nvSpPr>
       <dsp:spPr>
         <a:xfrm>
-          <a:off x="1527099" y="552012"/>
-          <a:ext cx="530630" cy="806909"/>
+          <a:off x="471651" y="1566858"/>
+          <a:ext cx="114720" cy="894822"/>
         </a:xfrm>
         <a:custGeom>
           <a:avLst/>
@@ -2808,13 +3539,10 @@
                 <a:pt x="0" y="0"/>
               </a:moveTo>
               <a:lnTo>
-                <a:pt x="0" y="714816"/>
+                <a:pt x="0" y="894822"/>
               </a:lnTo>
               <a:lnTo>
-                <a:pt x="530630" y="714816"/>
-              </a:lnTo>
-              <a:lnTo>
-                <a:pt x="530630" y="806909"/>
+                <a:pt x="114720" y="894822"/>
               </a:lnTo>
             </a:path>
           </a:pathLst>
@@ -2823,7 +3551,7 @@
         <a:ln w="6350" cap="flat" cmpd="sng" algn="ctr">
           <a:solidFill>
             <a:schemeClr val="accent1">
-              <a:tint val="99000"/>
+              <a:tint val="80000"/>
               <a:hueOff val="0"/>
               <a:satOff val="0"/>
               <a:lumOff val="0"/>
@@ -2855,8 +3583,8 @@
       </dsp:nvSpPr>
       <dsp:spPr>
         <a:xfrm>
-          <a:off x="996468" y="552012"/>
-          <a:ext cx="530630" cy="806909"/>
+          <a:off x="471651" y="1566858"/>
+          <a:ext cx="114720" cy="351810"/>
         </a:xfrm>
         <a:custGeom>
           <a:avLst/>
@@ -2867,16 +3595,75 @@
           <a:pathLst>
             <a:path>
               <a:moveTo>
-                <a:pt x="530630" y="0"/>
+                <a:pt x="0" y="0"/>
               </a:moveTo>
               <a:lnTo>
-                <a:pt x="530630" y="714816"/>
+                <a:pt x="0" y="351810"/>
               </a:lnTo>
               <a:lnTo>
-                <a:pt x="0" y="714816"/>
+                <a:pt x="114720" y="351810"/>
+              </a:lnTo>
+            </a:path>
+          </a:pathLst>
+        </a:custGeom>
+        <a:noFill/>
+        <a:ln w="6350" cap="flat" cmpd="sng" algn="ctr">
+          <a:solidFill>
+            <a:schemeClr val="accent1">
+              <a:tint val="80000"/>
+              <a:hueOff val="0"/>
+              <a:satOff val="0"/>
+              <a:lumOff val="0"/>
+              <a:alphaOff val="0"/>
+            </a:schemeClr>
+          </a:solidFill>
+          <a:prstDash val="solid"/>
+          <a:miter lim="800000"/>
+        </a:ln>
+        <a:effectLst/>
+      </dsp:spPr>
+      <dsp:style>
+        <a:lnRef idx="1">
+          <a:scrgbClr r="0" g="0" b="0"/>
+        </a:lnRef>
+        <a:fillRef idx="0">
+          <a:scrgbClr r="0" g="0" b="0"/>
+        </a:fillRef>
+        <a:effectRef idx="0">
+          <a:scrgbClr r="0" g="0" b="0"/>
+        </a:effectRef>
+        <a:fontRef idx="minor"/>
+      </dsp:style>
+    </dsp:sp>
+    <dsp:sp modelId="{3D36AE7A-E1CF-9741-AB7B-799B79C92D11}">
+      <dsp:nvSpPr>
+        <dsp:cNvPr id="0" name=""/>
+        <dsp:cNvSpPr/>
+      </dsp:nvSpPr>
+      <dsp:spPr>
+        <a:xfrm>
+          <a:off x="777573" y="480834"/>
+          <a:ext cx="462707" cy="703620"/>
+        </a:xfrm>
+        <a:custGeom>
+          <a:avLst/>
+          <a:gdLst/>
+          <a:ahLst/>
+          <a:cxnLst/>
+          <a:rect l="0" t="0" r="0" b="0"/>
+          <a:pathLst>
+            <a:path>
+              <a:moveTo>
+                <a:pt x="462707" y="0"/>
+              </a:moveTo>
+              <a:lnTo>
+                <a:pt x="462707" y="623316"/>
               </a:lnTo>
               <a:lnTo>
-                <a:pt x="0" y="806909"/>
+                <a:pt x="0" y="623316"/>
+              </a:lnTo>
+              <a:lnTo>
+                <a:pt x="0" y="703620"/>
               </a:lnTo>
             </a:path>
           </a:pathLst>
@@ -2917,8 +3704,8 @@
       </dsp:nvSpPr>
       <dsp:spPr>
         <a:xfrm>
-          <a:off x="754106" y="924"/>
-          <a:ext cx="1545986" cy="551088"/>
+          <a:off x="566235" y="288"/>
+          <a:ext cx="1348091" cy="480546"/>
         </a:xfrm>
         <a:prstGeom prst="rect">
           <a:avLst/>
@@ -3008,19 +3795,19 @@
         </a:p>
       </dsp:txBody>
       <dsp:txXfrm>
-        <a:off x="754106" y="924"/>
-        <a:ext cx="1545986" cy="551088"/>
+        <a:off x="566235" y="288"/>
+        <a:ext cx="1348091" cy="480546"/>
       </dsp:txXfrm>
     </dsp:sp>
-    <dsp:sp modelId="{F5739D3E-4C56-E449-AF42-FA52882ABDEC}">
+    <dsp:sp modelId="{0BBE3A9C-E90D-994E-8B20-48391397A6C3}">
       <dsp:nvSpPr>
         <dsp:cNvPr id="0" name=""/>
         <dsp:cNvSpPr/>
       </dsp:nvSpPr>
       <dsp:spPr>
         <a:xfrm>
-          <a:off x="557930" y="1358922"/>
-          <a:ext cx="877075" cy="438537"/>
+          <a:off x="395171" y="1184455"/>
+          <a:ext cx="764805" cy="382402"/>
         </a:xfrm>
         <a:prstGeom prst="rect">
           <a:avLst/>
@@ -3086,12 +3873,12 @@
         </a:fontRef>
       </dsp:style>
       <dsp:txBody>
-        <a:bodyPr spcFirstLastPara="0" vert="horz" wrap="square" lIns="7620" tIns="7620" rIns="7620" bIns="7620" numCol="1" spcCol="1270" anchor="ctr" anchorCtr="0">
+        <a:bodyPr spcFirstLastPara="0" vert="horz" wrap="square" lIns="5080" tIns="5080" rIns="5080" bIns="5080" numCol="1" spcCol="1270" anchor="ctr" anchorCtr="0">
           <a:noAutofit/>
         </a:bodyPr>
         <a:lstStyle/>
         <a:p>
-          <a:pPr lvl="0" algn="ctr" defTabSz="533400">
+          <a:pPr lvl="0" algn="ctr" defTabSz="355600">
             <a:lnSpc>
               <a:spcPct val="90000"/>
             </a:lnSpc>
@@ -3103,15 +3890,117 @@
             </a:spcAft>
           </a:pPr>
           <a:r>
-            <a:rPr lang="en-US" sz="1200" kern="1200" dirty="0" smtClean="0"/>
-            <a:t>user-user</a:t>
+            <a:rPr lang="en-US" sz="800" kern="1200" dirty="0" smtClean="0"/>
+            <a:t>memory-based</a:t>
           </a:r>
-          <a:endParaRPr lang="en-US" sz="1200" kern="1200" dirty="0"/>
+          <a:endParaRPr lang="en-US" sz="800" kern="1200" dirty="0"/>
         </a:p>
       </dsp:txBody>
       <dsp:txXfrm>
-        <a:off x="557930" y="1358922"/>
-        <a:ext cx="877075" cy="438537"/>
+        <a:off x="395171" y="1184455"/>
+        <a:ext cx="764805" cy="382402"/>
+      </dsp:txXfrm>
+    </dsp:sp>
+    <dsp:sp modelId="{F5739D3E-4C56-E449-AF42-FA52882ABDEC}">
+      <dsp:nvSpPr>
+        <dsp:cNvPr id="0" name=""/>
+        <dsp:cNvSpPr/>
+      </dsp:nvSpPr>
+      <dsp:spPr>
+        <a:xfrm>
+          <a:off x="586372" y="1727467"/>
+          <a:ext cx="764805" cy="382402"/>
+        </a:xfrm>
+        <a:prstGeom prst="rect">
+          <a:avLst/>
+        </a:prstGeom>
+        <a:gradFill rotWithShape="0">
+          <a:gsLst>
+            <a:gs pos="0">
+              <a:schemeClr val="accent1">
+                <a:tint val="80000"/>
+                <a:hueOff val="0"/>
+                <a:satOff val="0"/>
+                <a:lumOff val="0"/>
+                <a:alphaOff val="0"/>
+                <a:satMod val="103000"/>
+                <a:lumMod val="102000"/>
+                <a:tint val="94000"/>
+              </a:schemeClr>
+            </a:gs>
+            <a:gs pos="50000">
+              <a:schemeClr val="accent1">
+                <a:tint val="80000"/>
+                <a:hueOff val="0"/>
+                <a:satOff val="0"/>
+                <a:lumOff val="0"/>
+                <a:alphaOff val="0"/>
+                <a:satMod val="110000"/>
+                <a:lumMod val="100000"/>
+                <a:shade val="100000"/>
+              </a:schemeClr>
+            </a:gs>
+            <a:gs pos="100000">
+              <a:schemeClr val="accent1">
+                <a:tint val="80000"/>
+                <a:hueOff val="0"/>
+                <a:satOff val="0"/>
+                <a:lumOff val="0"/>
+                <a:alphaOff val="0"/>
+                <a:lumMod val="99000"/>
+                <a:satMod val="120000"/>
+                <a:shade val="78000"/>
+              </a:schemeClr>
+            </a:gs>
+          </a:gsLst>
+          <a:lin ang="5400000" scaled="0"/>
+        </a:gradFill>
+        <a:ln>
+          <a:noFill/>
+        </a:ln>
+        <a:effectLst/>
+      </dsp:spPr>
+      <dsp:style>
+        <a:lnRef idx="0">
+          <a:scrgbClr r="0" g="0" b="0"/>
+        </a:lnRef>
+        <a:fillRef idx="3">
+          <a:scrgbClr r="0" g="0" b="0"/>
+        </a:fillRef>
+        <a:effectRef idx="2">
+          <a:scrgbClr r="0" g="0" b="0"/>
+        </a:effectRef>
+        <a:fontRef idx="minor">
+          <a:schemeClr val="lt1"/>
+        </a:fontRef>
+      </dsp:style>
+      <dsp:txBody>
+        <a:bodyPr spcFirstLastPara="0" vert="horz" wrap="square" lIns="5080" tIns="5080" rIns="5080" bIns="5080" numCol="1" spcCol="1270" anchor="ctr" anchorCtr="0">
+          <a:noAutofit/>
+        </a:bodyPr>
+        <a:lstStyle/>
+        <a:p>
+          <a:pPr lvl="0" algn="ctr" defTabSz="355600">
+            <a:lnSpc>
+              <a:spcPct val="90000"/>
+            </a:lnSpc>
+            <a:spcBef>
+              <a:spcPct val="0"/>
+            </a:spcBef>
+            <a:spcAft>
+              <a:spcPct val="35000"/>
+            </a:spcAft>
+          </a:pPr>
+          <a:r>
+            <a:rPr lang="en-US" sz="800" kern="1200" dirty="0" smtClean="0"/>
+            <a:t>user-user</a:t>
+          </a:r>
+          <a:endParaRPr lang="en-US" sz="800" kern="1200" dirty="0"/>
+        </a:p>
+      </dsp:txBody>
+      <dsp:txXfrm>
+        <a:off x="586372" y="1727467"/>
+        <a:ext cx="764805" cy="382402"/>
       </dsp:txXfrm>
     </dsp:sp>
     <dsp:sp modelId="{13C10920-A351-2946-9F4A-EB7ADF9A0DA8}">
@@ -3121,8 +4010,110 @@
       </dsp:nvSpPr>
       <dsp:spPr>
         <a:xfrm>
-          <a:off x="1619192" y="1358922"/>
-          <a:ext cx="877075" cy="438537"/>
+          <a:off x="586372" y="2270478"/>
+          <a:ext cx="764805" cy="382402"/>
+        </a:xfrm>
+        <a:prstGeom prst="rect">
+          <a:avLst/>
+        </a:prstGeom>
+        <a:gradFill rotWithShape="0">
+          <a:gsLst>
+            <a:gs pos="0">
+              <a:schemeClr val="accent1">
+                <a:tint val="80000"/>
+                <a:hueOff val="0"/>
+                <a:satOff val="0"/>
+                <a:lumOff val="0"/>
+                <a:alphaOff val="0"/>
+                <a:satMod val="103000"/>
+                <a:lumMod val="102000"/>
+                <a:tint val="94000"/>
+              </a:schemeClr>
+            </a:gs>
+            <a:gs pos="50000">
+              <a:schemeClr val="accent1">
+                <a:tint val="80000"/>
+                <a:hueOff val="0"/>
+                <a:satOff val="0"/>
+                <a:lumOff val="0"/>
+                <a:alphaOff val="0"/>
+                <a:satMod val="110000"/>
+                <a:lumMod val="100000"/>
+                <a:shade val="100000"/>
+              </a:schemeClr>
+            </a:gs>
+            <a:gs pos="100000">
+              <a:schemeClr val="accent1">
+                <a:tint val="80000"/>
+                <a:hueOff val="0"/>
+                <a:satOff val="0"/>
+                <a:lumOff val="0"/>
+                <a:alphaOff val="0"/>
+                <a:lumMod val="99000"/>
+                <a:satMod val="120000"/>
+                <a:shade val="78000"/>
+              </a:schemeClr>
+            </a:gs>
+          </a:gsLst>
+          <a:lin ang="5400000" scaled="0"/>
+        </a:gradFill>
+        <a:ln>
+          <a:noFill/>
+        </a:ln>
+        <a:effectLst/>
+      </dsp:spPr>
+      <dsp:style>
+        <a:lnRef idx="0">
+          <a:scrgbClr r="0" g="0" b="0"/>
+        </a:lnRef>
+        <a:fillRef idx="3">
+          <a:scrgbClr r="0" g="0" b="0"/>
+        </a:fillRef>
+        <a:effectRef idx="2">
+          <a:scrgbClr r="0" g="0" b="0"/>
+        </a:effectRef>
+        <a:fontRef idx="minor">
+          <a:schemeClr val="lt1"/>
+        </a:fontRef>
+      </dsp:style>
+      <dsp:txBody>
+        <a:bodyPr spcFirstLastPara="0" vert="horz" wrap="square" lIns="5080" tIns="5080" rIns="5080" bIns="5080" numCol="1" spcCol="1270" anchor="ctr" anchorCtr="0">
+          <a:noAutofit/>
+        </a:bodyPr>
+        <a:lstStyle/>
+        <a:p>
+          <a:pPr lvl="0" algn="ctr" defTabSz="355600">
+            <a:lnSpc>
+              <a:spcPct val="90000"/>
+            </a:lnSpc>
+            <a:spcBef>
+              <a:spcPct val="0"/>
+            </a:spcBef>
+            <a:spcAft>
+              <a:spcPct val="35000"/>
+            </a:spcAft>
+          </a:pPr>
+          <a:r>
+            <a:rPr lang="en-US" sz="800" kern="1200" dirty="0" smtClean="0"/>
+            <a:t>item-item</a:t>
+          </a:r>
+          <a:endParaRPr lang="en-US" sz="800" kern="1200" dirty="0"/>
+        </a:p>
+      </dsp:txBody>
+      <dsp:txXfrm>
+        <a:off x="586372" y="2270478"/>
+        <a:ext cx="764805" cy="382402"/>
+      </dsp:txXfrm>
+    </dsp:sp>
+    <dsp:sp modelId="{BCC905DD-80ED-A947-BE40-0EA8BBF8D493}">
+      <dsp:nvSpPr>
+        <dsp:cNvPr id="0" name=""/>
+        <dsp:cNvSpPr/>
+      </dsp:nvSpPr>
+      <dsp:spPr>
+        <a:xfrm>
+          <a:off x="1320585" y="1184455"/>
+          <a:ext cx="764805" cy="382402"/>
         </a:xfrm>
         <a:prstGeom prst="rect">
           <a:avLst/>
@@ -3188,12 +4179,12 @@
         </a:fontRef>
       </dsp:style>
       <dsp:txBody>
-        <a:bodyPr spcFirstLastPara="0" vert="horz" wrap="square" lIns="7620" tIns="7620" rIns="7620" bIns="7620" numCol="1" spcCol="1270" anchor="ctr" anchorCtr="0">
+        <a:bodyPr spcFirstLastPara="0" vert="horz" wrap="square" lIns="5080" tIns="5080" rIns="5080" bIns="5080" numCol="1" spcCol="1270" anchor="ctr" anchorCtr="0">
           <a:noAutofit/>
         </a:bodyPr>
         <a:lstStyle/>
         <a:p>
-          <a:pPr lvl="0" algn="ctr" defTabSz="533400">
+          <a:pPr lvl="0" algn="ctr" defTabSz="355600">
             <a:lnSpc>
               <a:spcPct val="90000"/>
             </a:lnSpc>
@@ -3205,15 +4196,219 @@
             </a:spcAft>
           </a:pPr>
           <a:r>
-            <a:rPr lang="en-US" sz="1200" kern="1200" dirty="0" smtClean="0"/>
-            <a:t>item-item</a:t>
+            <a:rPr lang="en-US" sz="800" kern="1200" dirty="0" smtClean="0"/>
+            <a:t>model-based</a:t>
           </a:r>
-          <a:endParaRPr lang="en-US" sz="1200" kern="1200" dirty="0"/>
+          <a:endParaRPr lang="en-US" sz="800" kern="1200" dirty="0"/>
         </a:p>
       </dsp:txBody>
       <dsp:txXfrm>
-        <a:off x="1619192" y="1358922"/>
-        <a:ext cx="877075" cy="438537"/>
+        <a:off x="1320585" y="1184455"/>
+        <a:ext cx="764805" cy="382402"/>
+      </dsp:txXfrm>
+    </dsp:sp>
+    <dsp:sp modelId="{DACC3239-D61B-044E-9133-C476860C68AB}">
+      <dsp:nvSpPr>
+        <dsp:cNvPr id="0" name=""/>
+        <dsp:cNvSpPr/>
+      </dsp:nvSpPr>
+      <dsp:spPr>
+        <a:xfrm>
+          <a:off x="1511786" y="1727467"/>
+          <a:ext cx="764805" cy="382402"/>
+        </a:xfrm>
+        <a:prstGeom prst="rect">
+          <a:avLst/>
+        </a:prstGeom>
+        <a:gradFill rotWithShape="0">
+          <a:gsLst>
+            <a:gs pos="0">
+              <a:schemeClr val="accent1">
+                <a:tint val="80000"/>
+                <a:hueOff val="0"/>
+                <a:satOff val="0"/>
+                <a:lumOff val="0"/>
+                <a:alphaOff val="0"/>
+                <a:satMod val="103000"/>
+                <a:lumMod val="102000"/>
+                <a:tint val="94000"/>
+              </a:schemeClr>
+            </a:gs>
+            <a:gs pos="50000">
+              <a:schemeClr val="accent1">
+                <a:tint val="80000"/>
+                <a:hueOff val="0"/>
+                <a:satOff val="0"/>
+                <a:lumOff val="0"/>
+                <a:alphaOff val="0"/>
+                <a:satMod val="110000"/>
+                <a:lumMod val="100000"/>
+                <a:shade val="100000"/>
+              </a:schemeClr>
+            </a:gs>
+            <a:gs pos="100000">
+              <a:schemeClr val="accent1">
+                <a:tint val="80000"/>
+                <a:hueOff val="0"/>
+                <a:satOff val="0"/>
+                <a:lumOff val="0"/>
+                <a:alphaOff val="0"/>
+                <a:lumMod val="99000"/>
+                <a:satMod val="120000"/>
+                <a:shade val="78000"/>
+              </a:schemeClr>
+            </a:gs>
+          </a:gsLst>
+          <a:lin ang="5400000" scaled="0"/>
+        </a:gradFill>
+        <a:ln>
+          <a:noFill/>
+        </a:ln>
+        <a:effectLst/>
+      </dsp:spPr>
+      <dsp:style>
+        <a:lnRef idx="0">
+          <a:scrgbClr r="0" g="0" b="0"/>
+        </a:lnRef>
+        <a:fillRef idx="3">
+          <a:scrgbClr r="0" g="0" b="0"/>
+        </a:fillRef>
+        <a:effectRef idx="2">
+          <a:scrgbClr r="0" g="0" b="0"/>
+        </a:effectRef>
+        <a:fontRef idx="minor">
+          <a:schemeClr val="lt1"/>
+        </a:fontRef>
+      </dsp:style>
+      <dsp:txBody>
+        <a:bodyPr spcFirstLastPara="0" vert="horz" wrap="square" lIns="5080" tIns="5080" rIns="5080" bIns="5080" numCol="1" spcCol="1270" anchor="ctr" anchorCtr="0">
+          <a:noAutofit/>
+        </a:bodyPr>
+        <a:lstStyle/>
+        <a:p>
+          <a:pPr lvl="0" algn="ctr" defTabSz="355600">
+            <a:lnSpc>
+              <a:spcPct val="90000"/>
+            </a:lnSpc>
+            <a:spcBef>
+              <a:spcPct val="0"/>
+            </a:spcBef>
+            <a:spcAft>
+              <a:spcPct val="35000"/>
+            </a:spcAft>
+          </a:pPr>
+          <a:r>
+            <a:rPr lang="en-US" sz="800" kern="1200" dirty="0" smtClean="0"/>
+            <a:t>clustering (KNN)</a:t>
+          </a:r>
+          <a:endParaRPr lang="en-US" sz="800" kern="1200" dirty="0"/>
+        </a:p>
+      </dsp:txBody>
+      <dsp:txXfrm>
+        <a:off x="1511786" y="1727467"/>
+        <a:ext cx="764805" cy="382402"/>
+      </dsp:txXfrm>
+    </dsp:sp>
+    <dsp:sp modelId="{008B0230-5506-1941-AFA6-7F30E4887F09}">
+      <dsp:nvSpPr>
+        <dsp:cNvPr id="0" name=""/>
+        <dsp:cNvSpPr/>
+      </dsp:nvSpPr>
+      <dsp:spPr>
+        <a:xfrm>
+          <a:off x="1511786" y="2270478"/>
+          <a:ext cx="764805" cy="382402"/>
+        </a:xfrm>
+        <a:prstGeom prst="rect">
+          <a:avLst/>
+        </a:prstGeom>
+        <a:gradFill rotWithShape="0">
+          <a:gsLst>
+            <a:gs pos="0">
+              <a:schemeClr val="accent1">
+                <a:tint val="80000"/>
+                <a:hueOff val="0"/>
+                <a:satOff val="0"/>
+                <a:lumOff val="0"/>
+                <a:alphaOff val="0"/>
+                <a:satMod val="103000"/>
+                <a:lumMod val="102000"/>
+                <a:tint val="94000"/>
+              </a:schemeClr>
+            </a:gs>
+            <a:gs pos="50000">
+              <a:schemeClr val="accent1">
+                <a:tint val="80000"/>
+                <a:hueOff val="0"/>
+                <a:satOff val="0"/>
+                <a:lumOff val="0"/>
+                <a:alphaOff val="0"/>
+                <a:satMod val="110000"/>
+                <a:lumMod val="100000"/>
+                <a:shade val="100000"/>
+              </a:schemeClr>
+            </a:gs>
+            <a:gs pos="100000">
+              <a:schemeClr val="accent1">
+                <a:tint val="80000"/>
+                <a:hueOff val="0"/>
+                <a:satOff val="0"/>
+                <a:lumOff val="0"/>
+                <a:alphaOff val="0"/>
+                <a:lumMod val="99000"/>
+                <a:satMod val="120000"/>
+                <a:shade val="78000"/>
+              </a:schemeClr>
+            </a:gs>
+          </a:gsLst>
+          <a:lin ang="5400000" scaled="0"/>
+        </a:gradFill>
+        <a:ln>
+          <a:noFill/>
+        </a:ln>
+        <a:effectLst/>
+      </dsp:spPr>
+      <dsp:style>
+        <a:lnRef idx="0">
+          <a:scrgbClr r="0" g="0" b="0"/>
+        </a:lnRef>
+        <a:fillRef idx="3">
+          <a:scrgbClr r="0" g="0" b="0"/>
+        </a:fillRef>
+        <a:effectRef idx="2">
+          <a:scrgbClr r="0" g="0" b="0"/>
+        </a:effectRef>
+        <a:fontRef idx="minor">
+          <a:schemeClr val="lt1"/>
+        </a:fontRef>
+      </dsp:style>
+      <dsp:txBody>
+        <a:bodyPr spcFirstLastPara="0" vert="horz" wrap="square" lIns="5080" tIns="5080" rIns="5080" bIns="5080" numCol="1" spcCol="1270" anchor="ctr" anchorCtr="0">
+          <a:noAutofit/>
+        </a:bodyPr>
+        <a:lstStyle/>
+        <a:p>
+          <a:pPr lvl="0" algn="ctr" defTabSz="355600">
+            <a:lnSpc>
+              <a:spcPct val="90000"/>
+            </a:lnSpc>
+            <a:spcBef>
+              <a:spcPct val="0"/>
+            </a:spcBef>
+            <a:spcAft>
+              <a:spcPct val="35000"/>
+            </a:spcAft>
+          </a:pPr>
+          <a:r>
+            <a:rPr lang="en-US" sz="800" kern="1200" smtClean="0"/>
+            <a:t>matrix factorization (ALS)</a:t>
+          </a:r>
+          <a:endParaRPr lang="en-US" sz="800" kern="1200" dirty="0"/>
+        </a:p>
+      </dsp:txBody>
+      <dsp:txXfrm>
+        <a:off x="1511786" y="2270478"/>
+        <a:ext cx="764805" cy="382402"/>
       </dsp:txXfrm>
     </dsp:sp>
     <dsp:sp modelId="{00C05A6D-0367-F84A-BB50-73F4335D02CD}">
@@ -3223,8 +4418,8 @@
       </dsp:nvSpPr>
       <dsp:spPr>
         <a:xfrm>
-          <a:off x="557930" y="736198"/>
-          <a:ext cx="877075" cy="438537"/>
+          <a:off x="395171" y="641443"/>
+          <a:ext cx="764805" cy="382402"/>
         </a:xfrm>
         <a:prstGeom prst="rect">
           <a:avLst/>
@@ -3290,12 +4485,12 @@
         </a:fontRef>
       </dsp:style>
       <dsp:txBody>
-        <a:bodyPr spcFirstLastPara="0" vert="horz" wrap="square" lIns="7620" tIns="7620" rIns="7620" bIns="7620" numCol="1" spcCol="1270" anchor="ctr" anchorCtr="0">
+        <a:bodyPr spcFirstLastPara="0" vert="horz" wrap="square" lIns="5080" tIns="5080" rIns="5080" bIns="5080" numCol="1" spcCol="1270" anchor="ctr" anchorCtr="0">
           <a:noAutofit/>
         </a:bodyPr>
         <a:lstStyle/>
         <a:p>
-          <a:pPr lvl="0" algn="ctr" defTabSz="533400">
+          <a:pPr lvl="0" algn="ctr" defTabSz="355600">
             <a:lnSpc>
               <a:spcPct val="90000"/>
             </a:lnSpc>
@@ -3307,15 +4502,15 @@
             </a:spcAft>
           </a:pPr>
           <a:r>
-            <a:rPr lang="en-US" sz="1200" kern="1200" dirty="0" smtClean="0"/>
+            <a:rPr lang="en-US" sz="800" kern="1200" dirty="0" smtClean="0"/>
             <a:t>Collaborative Filtering</a:t>
           </a:r>
-          <a:endParaRPr lang="en-US" sz="1200" kern="1200" dirty="0"/>
+          <a:endParaRPr lang="en-US" sz="800" kern="1200" dirty="0"/>
         </a:p>
       </dsp:txBody>
       <dsp:txXfrm>
-        <a:off x="557930" y="736198"/>
-        <a:ext cx="877075" cy="438537"/>
+        <a:off x="395171" y="641443"/>
+        <a:ext cx="764805" cy="382402"/>
       </dsp:txXfrm>
     </dsp:sp>
   </dsp:spTree>
@@ -8573,7 +9768,7 @@
           <a:p>
             <a:fld id="{C5BE0A70-8FB3-8A4D-9F48-3F73C29F5611}" type="datetimeFigureOut">
               <a:rPr lang="en-US" smtClean="0"/>
-              <a:t>6/25/18</a:t>
+              <a:t>10/18/18</a:t>
             </a:fld>
             <a:endParaRPr lang="en-US"/>
           </a:p>
@@ -8743,7 +9938,7 @@
           <a:p>
             <a:fld id="{C5BE0A70-8FB3-8A4D-9F48-3F73C29F5611}" type="datetimeFigureOut">
               <a:rPr lang="en-US" smtClean="0"/>
-              <a:t>6/25/18</a:t>
+              <a:t>10/18/18</a:t>
             </a:fld>
             <a:endParaRPr lang="en-US"/>
           </a:p>
@@ -8923,7 +10118,7 @@
           <a:p>
             <a:fld id="{C5BE0A70-8FB3-8A4D-9F48-3F73C29F5611}" type="datetimeFigureOut">
               <a:rPr lang="en-US" smtClean="0"/>
-              <a:t>6/25/18</a:t>
+              <a:t>10/18/18</a:t>
             </a:fld>
             <a:endParaRPr lang="en-US"/>
           </a:p>
@@ -9093,7 +10288,7 @@
           <a:p>
             <a:fld id="{C5BE0A70-8FB3-8A4D-9F48-3F73C29F5611}" type="datetimeFigureOut">
               <a:rPr lang="en-US" smtClean="0"/>
-              <a:t>6/25/18</a:t>
+              <a:t>10/18/18</a:t>
             </a:fld>
             <a:endParaRPr lang="en-US"/>
           </a:p>
@@ -9339,7 +10534,7 @@
           <a:p>
             <a:fld id="{C5BE0A70-8FB3-8A4D-9F48-3F73C29F5611}" type="datetimeFigureOut">
               <a:rPr lang="en-US" smtClean="0"/>
-              <a:t>6/25/18</a:t>
+              <a:t>10/18/18</a:t>
             </a:fld>
             <a:endParaRPr lang="en-US"/>
           </a:p>
@@ -9571,7 +10766,7 @@
           <a:p>
             <a:fld id="{C5BE0A70-8FB3-8A4D-9F48-3F73C29F5611}" type="datetimeFigureOut">
               <a:rPr lang="en-US" smtClean="0"/>
-              <a:t>6/25/18</a:t>
+              <a:t>10/18/18</a:t>
             </a:fld>
             <a:endParaRPr lang="en-US"/>
           </a:p>
@@ -9938,7 +11133,7 @@
           <a:p>
             <a:fld id="{C5BE0A70-8FB3-8A4D-9F48-3F73C29F5611}" type="datetimeFigureOut">
               <a:rPr lang="en-US" smtClean="0"/>
-              <a:t>6/25/18</a:t>
+              <a:t>10/18/18</a:t>
             </a:fld>
             <a:endParaRPr lang="en-US"/>
           </a:p>
@@ -10056,7 +11251,7 @@
           <a:p>
             <a:fld id="{C5BE0A70-8FB3-8A4D-9F48-3F73C29F5611}" type="datetimeFigureOut">
               <a:rPr lang="en-US" smtClean="0"/>
-              <a:t>6/25/18</a:t>
+              <a:t>10/18/18</a:t>
             </a:fld>
             <a:endParaRPr lang="en-US"/>
           </a:p>
@@ -10151,7 +11346,7 @@
           <a:p>
             <a:fld id="{C5BE0A70-8FB3-8A4D-9F48-3F73C29F5611}" type="datetimeFigureOut">
               <a:rPr lang="en-US" smtClean="0"/>
-              <a:t>6/25/18</a:t>
+              <a:t>10/18/18</a:t>
             </a:fld>
             <a:endParaRPr lang="en-US"/>
           </a:p>
@@ -10428,7 +11623,7 @@
           <a:p>
             <a:fld id="{C5BE0A70-8FB3-8A4D-9F48-3F73C29F5611}" type="datetimeFigureOut">
               <a:rPr lang="en-US" smtClean="0"/>
-              <a:t>6/25/18</a:t>
+              <a:t>10/18/18</a:t>
             </a:fld>
             <a:endParaRPr lang="en-US"/>
           </a:p>
@@ -10681,7 +11876,7 @@
           <a:p>
             <a:fld id="{C5BE0A70-8FB3-8A4D-9F48-3F73C29F5611}" type="datetimeFigureOut">
               <a:rPr lang="en-US" smtClean="0"/>
-              <a:t>6/25/18</a:t>
+              <a:t>10/18/18</a:t>
             </a:fld>
             <a:endParaRPr lang="en-US"/>
           </a:p>
@@ -10894,7 +12089,7 @@
           <a:p>
             <a:fld id="{C5BE0A70-8FB3-8A4D-9F48-3F73C29F5611}" type="datetimeFigureOut">
               <a:rPr lang="en-US" smtClean="0"/>
-              <a:t>6/25/18</a:t>
+              <a:t>10/18/18</a:t>
             </a:fld>
             <a:endParaRPr lang="en-US"/>
           </a:p>
@@ -11314,14 +12509,14 @@
           <p:nvPr>
             <p:extLst>
               <p:ext uri="{D42A27DB-BD31-4B8C-83A1-F6EECF244321}">
-                <p14:modId xmlns:p14="http://schemas.microsoft.com/office/powerpoint/2010/main" val="2061569465"/>
+                <p14:modId xmlns:p14="http://schemas.microsoft.com/office/powerpoint/2010/main" val="457561216"/>
               </p:ext>
             </p:extLst>
           </p:nvPr>
         </p:nvGraphicFramePr>
         <p:xfrm>
-          <a:off x="6793805" y="4033381"/>
-          <a:ext cx="3054199" cy="1798384"/>
+          <a:off x="7046829" y="4040585"/>
+          <a:ext cx="2671763" cy="2653170"/>
         </p:xfrm>
         <a:graphic>
           <a:graphicData uri="http://schemas.openxmlformats.org/drawingml/2006/diagram">
@@ -11359,7 +12554,7 @@
         </p:nvSpPr>
         <p:spPr>
           <a:xfrm>
-            <a:off x="5456650" y="1810362"/>
+            <a:off x="5456648" y="1863447"/>
             <a:ext cx="1991641" cy="646331"/>
           </a:xfrm>
           <a:prstGeom prst="rect">
@@ -11428,7 +12623,7 @@
         </p:nvSpPr>
         <p:spPr>
           <a:xfrm>
-            <a:off x="346324" y="1810362"/>
+            <a:off x="922522" y="1816976"/>
             <a:ext cx="1941534" cy="369332"/>
           </a:xfrm>
           <a:prstGeom prst="rect">
@@ -11458,8 +12653,8 @@
         </p:nvSpPr>
         <p:spPr>
           <a:xfrm>
-            <a:off x="5945166" y="479640"/>
-            <a:ext cx="1014608" cy="610737"/>
+            <a:off x="5858109" y="478949"/>
+            <a:ext cx="1188720" cy="786384"/>
           </a:xfrm>
           <a:prstGeom prst="roundRect">
             <a:avLst/>
@@ -11511,20 +12706,14 @@
         </p:nvSpPr>
         <p:spPr>
           <a:xfrm>
-            <a:off x="5785461" y="2405764"/>
-            <a:ext cx="1334021" cy="731254"/>
+            <a:off x="5858109" y="2458653"/>
+            <a:ext cx="1188720" cy="786384"/>
           </a:xfrm>
           <a:prstGeom prst="roundRect">
             <a:avLst/>
           </a:prstGeom>
           <a:blipFill dpi="0" rotWithShape="1">
-            <a:blip r:embed="rId13">
-              <a:extLst>
-                <a:ext uri="{28A0092B-C50C-407E-A947-70E740481C1C}">
-                  <a14:useLocalDpi xmlns:a14="http://schemas.microsoft.com/office/drawing/2010/main" val="0"/>
-                </a:ext>
-              </a:extLst>
-            </a:blip>
+            <a:blip r:embed="rId13"/>
             <a:srcRect/>
             <a:stretch>
               <a:fillRect/>
@@ -11564,8 +12753,8 @@
         </p:nvSpPr>
         <p:spPr>
           <a:xfrm>
-            <a:off x="490374" y="2232345"/>
-            <a:ext cx="1653435" cy="1078092"/>
+            <a:off x="434307" y="2350590"/>
+            <a:ext cx="1188114" cy="786428"/>
           </a:xfrm>
           <a:prstGeom prst="roundRect">
             <a:avLst/>
@@ -11617,7 +12806,7 @@
         </p:nvSpPr>
         <p:spPr>
           <a:xfrm>
-            <a:off x="3533144" y="479640"/>
+            <a:off x="2766832" y="494884"/>
             <a:ext cx="537031" cy="580248"/>
           </a:xfrm>
           <a:prstGeom prst="roundRect">
@@ -11701,7 +12890,7 @@
         </p:nvSpPr>
         <p:spPr>
           <a:xfrm>
-            <a:off x="4451200" y="653484"/>
+            <a:off x="4086950" y="653604"/>
             <a:ext cx="1075128" cy="233481"/>
           </a:xfrm>
           <a:prstGeom prst="leftRightArrow">
@@ -11741,50 +12930,10 @@
         </p:nvSpPr>
         <p:spPr>
           <a:xfrm>
-            <a:off x="6363807" y="1239633"/>
+            <a:off x="6334254" y="1366426"/>
             <a:ext cx="236430" cy="545233"/>
           </a:xfrm>
           <a:prstGeom prst="upDownArrow">
-            <a:avLst/>
-          </a:prstGeom>
-        </p:spPr>
-        <p:style>
-          <a:lnRef idx="2">
-            <a:schemeClr val="accent1">
-              <a:shade val="50000"/>
-            </a:schemeClr>
-          </a:lnRef>
-          <a:fillRef idx="1">
-            <a:schemeClr val="accent1"/>
-          </a:fillRef>
-          <a:effectRef idx="0">
-            <a:schemeClr val="accent1"/>
-          </a:effectRef>
-          <a:fontRef idx="minor">
-            <a:schemeClr val="lt1"/>
-          </a:fontRef>
-        </p:style>
-        <p:txBody>
-          <a:bodyPr rtlCol="0" anchor="ctr"/>
-          <a:lstStyle/>
-          <a:p>
-            <a:pPr algn="ctr"/>
-            <a:endParaRPr lang="en-US"/>
-          </a:p>
-        </p:txBody>
-      </p:sp>
-      <p:sp>
-        <p:nvSpPr>
-          <p:cNvPr id="27" name="Left-Right Arrow 26"/>
-          <p:cNvSpPr/>
-          <p:nvPr/>
-        </p:nvSpPr>
-        <p:spPr>
-          <a:xfrm>
-            <a:off x="3159503" y="2642769"/>
-            <a:ext cx="1281449" cy="257244"/>
-          </a:xfrm>
-          <a:prstGeom prst="leftRightArrow">
             <a:avLst/>
           </a:prstGeom>
         </p:spPr>
@@ -11850,6 +12999,121 @@
           <a:p>
             <a:pPr algn="ctr"/>
             <a:endParaRPr lang="en-US"/>
+          </a:p>
+        </p:txBody>
+      </p:sp>
+      <p:sp>
+        <p:nvSpPr>
+          <p:cNvPr id="16" name="Rounded Rectangle 15"/>
+          <p:cNvSpPr/>
+          <p:nvPr/>
+        </p:nvSpPr>
+        <p:spPr>
+          <a:xfrm>
+            <a:off x="2108421" y="2350590"/>
+            <a:ext cx="1188114" cy="786428"/>
+          </a:xfrm>
+          <a:prstGeom prst="roundRect">
+            <a:avLst/>
+          </a:prstGeom>
+          <a:blipFill>
+            <a:blip r:embed="rId16"/>
+            <a:stretch>
+              <a:fillRect/>
+            </a:stretch>
+          </a:blipFill>
+        </p:spPr>
+        <p:style>
+          <a:lnRef idx="2">
+            <a:schemeClr val="accent1">
+              <a:shade val="50000"/>
+            </a:schemeClr>
+          </a:lnRef>
+          <a:fillRef idx="1">
+            <a:schemeClr val="accent1"/>
+          </a:fillRef>
+          <a:effectRef idx="0">
+            <a:schemeClr val="accent1"/>
+          </a:effectRef>
+          <a:fontRef idx="minor">
+            <a:schemeClr val="lt1"/>
+          </a:fontRef>
+        </p:style>
+        <p:txBody>
+          <a:bodyPr rtlCol="0" anchor="ctr"/>
+          <a:lstStyle/>
+          <a:p>
+            <a:pPr algn="ctr"/>
+            <a:endParaRPr lang="en-US"/>
+          </a:p>
+        </p:txBody>
+      </p:sp>
+      <p:sp>
+        <p:nvSpPr>
+          <p:cNvPr id="17" name="Left-Right Arrow 16"/>
+          <p:cNvSpPr/>
+          <p:nvPr/>
+        </p:nvSpPr>
+        <p:spPr>
+          <a:xfrm>
+            <a:off x="4086950" y="2627063"/>
+            <a:ext cx="1075128" cy="233481"/>
+          </a:xfrm>
+          <a:prstGeom prst="leftRightArrow">
+            <a:avLst/>
+          </a:prstGeom>
+        </p:spPr>
+        <p:style>
+          <a:lnRef idx="2">
+            <a:schemeClr val="accent1">
+              <a:shade val="50000"/>
+            </a:schemeClr>
+          </a:lnRef>
+          <a:fillRef idx="1">
+            <a:schemeClr val="accent1"/>
+          </a:fillRef>
+          <a:effectRef idx="0">
+            <a:schemeClr val="accent1"/>
+          </a:effectRef>
+          <a:fontRef idx="minor">
+            <a:schemeClr val="lt1"/>
+          </a:fontRef>
+        </p:style>
+        <p:txBody>
+          <a:bodyPr rtlCol="0" anchor="ctr"/>
+          <a:lstStyle/>
+          <a:p>
+            <a:pPr algn="ctr"/>
+            <a:endParaRPr lang="en-US"/>
+          </a:p>
+        </p:txBody>
+      </p:sp>
+      <p:sp>
+        <p:nvSpPr>
+          <p:cNvPr id="2" name="TextBox 1"/>
+          <p:cNvSpPr txBox="1"/>
+          <p:nvPr/>
+        </p:nvSpPr>
+        <p:spPr>
+          <a:xfrm>
+            <a:off x="1692558" y="2558820"/>
+            <a:ext cx="401461" cy="369332"/>
+          </a:xfrm>
+          <a:prstGeom prst="rect">
+            <a:avLst/>
+          </a:prstGeom>
+          <a:noFill/>
+        </p:spPr>
+        <p:txBody>
+          <a:bodyPr wrap="square" rtlCol="0">
+            <a:spAutoFit/>
+          </a:bodyPr>
+          <a:lstStyle/>
+          <a:p>
+            <a:r>
+              <a:rPr lang="en-US" dirty="0"/>
+              <a:t>&amp;</a:t>
+            </a:r>
           </a:p>
         </p:txBody>
       </p:sp>
